--- a/Presentation.pptx
+++ b/Presentation.pptx
@@ -27,6 +27,15 @@
     <p:sldId id="275" r:id="rId21"/>
     <p:sldId id="276" r:id="rId22"/>
     <p:sldId id="277" r:id="rId23"/>
+    <p:sldId id="278" r:id="rId24"/>
+    <p:sldId id="279" r:id="rId25"/>
+    <p:sldId id="280" r:id="rId26"/>
+    <p:sldId id="281" r:id="rId27"/>
+    <p:sldId id="282" r:id="rId28"/>
+    <p:sldId id="283" r:id="rId29"/>
+    <p:sldId id="284" r:id="rId30"/>
+    <p:sldId id="285" r:id="rId31"/>
+    <p:sldId id="286" r:id="rId32"/>
   </p:sldIdLst>
   <p:sldSz cx="12192000" cy="6858000"/>
   <p:notesSz cx="6858000" cy="9144000"/>
@@ -136,6 +145,7 @@
 <file path=ppt/revisionInfo.xml><?xml version="1.0" encoding="utf-8"?>
 <p1510:revInfo xmlns:a="http://schemas.openxmlformats.org/drawingml/2006/main" xmlns:r="http://schemas.openxmlformats.org/officeDocument/2006/relationships" xmlns:p1510="http://schemas.microsoft.com/office/powerpoint/2015/10/main">
   <p1510:revLst>
+    <p1510:client id="{4DE2C53C-1814-D3B6-27FE-0FD6BDFEA575}" v="525" dt="2021-08-25T08:41:37.141"/>
     <p1510:client id="{65628708-AB83-4494-8225-F7FE81CCD76F}" v="2229" dt="2021-08-24T13:42:57.675"/>
   </p1510:revLst>
 </p1510:revInfo>
@@ -353,7 +363,7 @@
             <a:fld id="{B61BEF0D-F0BB-DE4B-95CE-6DB70DBA9567}" type="datetimeFigureOut">
               <a:rPr lang="en-US" dirty="0"/>
               <a:pPr/>
-              <a:t>8/24/2021</a:t>
+              <a:t>8/25/2021</a:t>
             </a:fld>
             <a:endParaRPr lang="en-US" dirty="0"/>
           </a:p>
@@ -645,7 +655,7 @@
             <a:fld id="{B61BEF0D-F0BB-DE4B-95CE-6DB70DBA9567}" type="datetimeFigureOut">
               <a:rPr lang="en-US" dirty="0"/>
               <a:pPr/>
-              <a:t>8/24/2021</a:t>
+              <a:t>8/25/2021</a:t>
             </a:fld>
             <a:endParaRPr lang="en-US" dirty="0"/>
           </a:p>
@@ -909,7 +919,7 @@
             <a:fld id="{B61BEF0D-F0BB-DE4B-95CE-6DB70DBA9567}" type="datetimeFigureOut">
               <a:rPr lang="en-US" dirty="0"/>
               <a:pPr/>
-              <a:t>8/24/2021</a:t>
+              <a:t>8/25/2021</a:t>
             </a:fld>
             <a:endParaRPr lang="en-US" dirty="0"/>
           </a:p>
@@ -1383,7 +1393,7 @@
             <a:fld id="{B61BEF0D-F0BB-DE4B-95CE-6DB70DBA9567}" type="datetimeFigureOut">
               <a:rPr lang="en-US" dirty="0"/>
               <a:pPr/>
-              <a:t>8/24/2021</a:t>
+              <a:t>8/25/2021</a:t>
             </a:fld>
             <a:endParaRPr lang="en-US" dirty="0"/>
           </a:p>
@@ -1568,7 +1578,7 @@
             <a:fld id="{B61BEF0D-F0BB-DE4B-95CE-6DB70DBA9567}" type="datetimeFigureOut">
               <a:rPr lang="en-US" dirty="0"/>
               <a:pPr/>
-              <a:t>8/24/2021</a:t>
+              <a:t>8/25/2021</a:t>
             </a:fld>
             <a:endParaRPr lang="en-US" dirty="0"/>
           </a:p>
@@ -2149,7 +2159,7 @@
             <a:fld id="{B61BEF0D-F0BB-DE4B-95CE-6DB70DBA9567}" type="datetimeFigureOut">
               <a:rPr lang="en-US" dirty="0"/>
               <a:pPr/>
-              <a:t>8/24/2021</a:t>
+              <a:t>8/25/2021</a:t>
             </a:fld>
             <a:endParaRPr lang="en-US" dirty="0"/>
           </a:p>
@@ -2486,7 +2496,7 @@
             <a:fld id="{B61BEF0D-F0BB-DE4B-95CE-6DB70DBA9567}" type="datetimeFigureOut">
               <a:rPr lang="en-US" dirty="0"/>
               <a:pPr/>
-              <a:t>8/24/2021</a:t>
+              <a:t>8/25/2021</a:t>
             </a:fld>
             <a:endParaRPr lang="en-US" dirty="0"/>
           </a:p>
@@ -2665,7 +2675,7 @@
             <a:fld id="{B61BEF0D-F0BB-DE4B-95CE-6DB70DBA9567}" type="datetimeFigureOut">
               <a:rPr lang="en-US" dirty="0"/>
               <a:pPr/>
-              <a:t>8/24/2021</a:t>
+              <a:t>8/25/2021</a:t>
             </a:fld>
             <a:endParaRPr lang="en-US" dirty="0"/>
           </a:p>
@@ -2849,7 +2859,7 @@
             <a:fld id="{B61BEF0D-F0BB-DE4B-95CE-6DB70DBA9567}" type="datetimeFigureOut">
               <a:rPr lang="en-US" dirty="0"/>
               <a:pPr/>
-              <a:t>8/24/2021</a:t>
+              <a:t>8/25/2021</a:t>
             </a:fld>
             <a:endParaRPr lang="en-US" dirty="0"/>
           </a:p>
@@ -3023,7 +3033,7 @@
             <a:fld id="{B61BEF0D-F0BB-DE4B-95CE-6DB70DBA9567}" type="datetimeFigureOut">
               <a:rPr lang="en-US" dirty="0"/>
               <a:pPr/>
-              <a:t>8/24/2021</a:t>
+              <a:t>8/25/2021</a:t>
             </a:fld>
             <a:endParaRPr lang="en-US" dirty="0"/>
           </a:p>
@@ -3285,7 +3295,7 @@
             <a:fld id="{B61BEF0D-F0BB-DE4B-95CE-6DB70DBA9567}" type="datetimeFigureOut">
               <a:rPr lang="en-US" dirty="0"/>
               <a:pPr/>
-              <a:t>8/24/2021</a:t>
+              <a:t>8/25/2021</a:t>
             </a:fld>
             <a:endParaRPr lang="en-US" dirty="0"/>
           </a:p>
@@ -3580,7 +3590,7 @@
             <a:fld id="{B61BEF0D-F0BB-DE4B-95CE-6DB70DBA9567}" type="datetimeFigureOut">
               <a:rPr lang="en-US" dirty="0"/>
               <a:pPr/>
-              <a:t>8/24/2021</a:t>
+              <a:t>8/25/2021</a:t>
             </a:fld>
             <a:endParaRPr lang="en-US" dirty="0"/>
           </a:p>
@@ -4013,7 +4023,7 @@
             <a:fld id="{B61BEF0D-F0BB-DE4B-95CE-6DB70DBA9567}" type="datetimeFigureOut">
               <a:rPr lang="en-US" dirty="0"/>
               <a:pPr/>
-              <a:t>8/24/2021</a:t>
+              <a:t>8/25/2021</a:t>
             </a:fld>
             <a:endParaRPr lang="en-US" dirty="0"/>
           </a:p>
@@ -4136,7 +4146,7 @@
             <a:fld id="{B61BEF0D-F0BB-DE4B-95CE-6DB70DBA9567}" type="datetimeFigureOut">
               <a:rPr lang="en-US" dirty="0"/>
               <a:pPr/>
-              <a:t>8/24/2021</a:t>
+              <a:t>8/25/2021</a:t>
             </a:fld>
             <a:endParaRPr lang="en-US" dirty="0"/>
           </a:p>
@@ -4237,7 +4247,7 @@
             <a:fld id="{B61BEF0D-F0BB-DE4B-95CE-6DB70DBA9567}" type="datetimeFigureOut">
               <a:rPr lang="en-US" dirty="0"/>
               <a:pPr/>
-              <a:t>8/24/2021</a:t>
+              <a:t>8/25/2021</a:t>
             </a:fld>
             <a:endParaRPr lang="en-US" dirty="0"/>
           </a:p>
@@ -4524,7 +4534,7 @@
             <a:fld id="{B61BEF0D-F0BB-DE4B-95CE-6DB70DBA9567}" type="datetimeFigureOut">
               <a:rPr lang="en-US" dirty="0"/>
               <a:pPr/>
-              <a:t>8/24/2021</a:t>
+              <a:t>8/25/2021</a:t>
             </a:fld>
             <a:endParaRPr lang="en-US" dirty="0"/>
           </a:p>
@@ -4816,7 +4826,7 @@
             <a:fld id="{B61BEF0D-F0BB-DE4B-95CE-6DB70DBA9567}" type="datetimeFigureOut">
               <a:rPr lang="en-US" dirty="0"/>
               <a:pPr/>
-              <a:t>8/24/2021</a:t>
+              <a:t>8/25/2021</a:t>
             </a:fld>
             <a:endParaRPr lang="en-US" dirty="0"/>
           </a:p>
@@ -5079,7 +5089,7 @@
             <a:fld id="{B61BEF0D-F0BB-DE4B-95CE-6DB70DBA9567}" type="datetimeFigureOut">
               <a:rPr lang="en-US" dirty="0"/>
               <a:pPr/>
-              <a:t>8/24/2021</a:t>
+              <a:t>8/25/2021</a:t>
             </a:fld>
             <a:endParaRPr lang="en-US" dirty="0"/>
           </a:p>
@@ -11344,7 +11354,7 @@
 </p:sld>
 </file>
 
-<file path=ppt/slides/slide3.xml><?xml version="1.0" encoding="utf-8"?>
+<file path=ppt/slides/slide23.xml><?xml version="1.0" encoding="utf-8"?>
 <p:sld xmlns:a="http://schemas.openxmlformats.org/drawingml/2006/main" xmlns:r="http://schemas.openxmlformats.org/officeDocument/2006/relationships" xmlns:p="http://schemas.openxmlformats.org/presentationml/2006/main">
   <p:cSld>
     <p:bg>
@@ -11959,6 +11969,2143 @@
           <p:cNvPr id="2" name="Title 1">
             <a:extLst>
               <a:ext uri="{FF2B5EF4-FFF2-40B4-BE49-F238E27FC236}">
+                <a16:creationId xmlns:a16="http://schemas.microsoft.com/office/drawing/2014/main" id="{9B0C90FE-89DA-4C28-8499-856E5371E626}"/>
+              </a:ext>
+            </a:extLst>
+          </p:cNvPr>
+          <p:cNvSpPr>
+            <a:spLocks noGrp="1"/>
+          </p:cNvSpPr>
+          <p:nvPr>
+            <p:ph type="title"/>
+          </p:nvPr>
+        </p:nvSpPr>
+        <p:spPr>
+          <a:xfrm>
+            <a:off x="1141413" y="609600"/>
+            <a:ext cx="9905998" cy="1065451"/>
+          </a:xfrm>
+        </p:spPr>
+        <p:txBody>
+          <a:bodyPr>
+            <a:normAutofit/>
+          </a:bodyPr>
+          <a:lstStyle/>
+          <a:p>
+            <a:pPr algn="ctr"/>
+            <a:r>
+              <a:rPr lang="en-US">
+                <a:solidFill>
+                  <a:srgbClr val="BFBFBF"/>
+                </a:solidFill>
+                <a:effectLst>
+                  <a:glow rad="38100">
+                    <a:prstClr val="white">
+                      <a:lumMod val="65000"/>
+                      <a:lumOff val="35000"/>
+                      <a:alpha val="40000"/>
+                    </a:prstClr>
+                  </a:glow>
+                  <a:outerShdw blurRad="28575" dist="38100" dir="14040000" algn="tl" rotWithShape="0">
+                    <a:srgbClr val="000000">
+                      <a:alpha val="25000"/>
+                    </a:srgbClr>
+                  </a:outerShdw>
+                </a:effectLst>
+              </a:rPr>
+              <a:t>reporting</a:t>
+            </a:r>
+            <a:endParaRPr lang="en-US">
+              <a:solidFill>
+                <a:srgbClr val="BFBFBF"/>
+              </a:solidFill>
+            </a:endParaRPr>
+          </a:p>
+        </p:txBody>
+      </p:sp>
+      <p:sp>
+        <p:nvSpPr>
+          <p:cNvPr id="3" name="Content Placeholder 2">
+            <a:extLst>
+              <a:ext uri="{FF2B5EF4-FFF2-40B4-BE49-F238E27FC236}">
+                <a16:creationId xmlns:a16="http://schemas.microsoft.com/office/drawing/2014/main" id="{25E832EA-014B-4A47-9D6A-1BE98D852BD9}"/>
+              </a:ext>
+            </a:extLst>
+          </p:cNvPr>
+          <p:cNvSpPr>
+            <a:spLocks noGrp="1"/>
+          </p:cNvSpPr>
+          <p:nvPr>
+            <p:ph idx="1"/>
+          </p:nvPr>
+        </p:nvSpPr>
+        <p:spPr>
+          <a:xfrm>
+            <a:off x="1141413" y="2666999"/>
+            <a:ext cx="9905998" cy="3124201"/>
+          </a:xfrm>
+        </p:spPr>
+        <p:txBody>
+          <a:bodyPr>
+            <a:normAutofit/>
+          </a:bodyPr>
+          <a:lstStyle/>
+          <a:p>
+            <a:r>
+              <a:rPr lang="en-US">
+                <a:effectLst>
+                  <a:glow rad="38100">
+                    <a:prstClr val="white">
+                      <a:lumMod val="50000"/>
+                      <a:lumOff val="50000"/>
+                      <a:alpha val="20000"/>
+                    </a:prstClr>
+                  </a:glow>
+                  <a:outerShdw blurRad="44450" dist="12700" dir="13860000" algn="tl" rotWithShape="0">
+                    <a:srgbClr val="000000">
+                      <a:alpha val="20000"/>
+                    </a:srgbClr>
+                  </a:outerShdw>
+                </a:effectLst>
+              </a:rPr>
+              <a:t>Powerbi</a:t>
+            </a:r>
+          </a:p>
+          <a:p>
+            <a:pPr>
+              <a:buClr>
+                <a:srgbClr val="000000"/>
+              </a:buClr>
+            </a:pPr>
+            <a:r>
+              <a:rPr lang="en-US">
+                <a:effectLst>
+                  <a:glow rad="38100">
+                    <a:prstClr val="white">
+                      <a:lumMod val="50000"/>
+                      <a:lumOff val="50000"/>
+                      <a:alpha val="20000"/>
+                    </a:prstClr>
+                  </a:glow>
+                  <a:outerShdw blurRad="44450" dist="12700" dir="13860000" algn="tl" rotWithShape="0">
+                    <a:srgbClr val="000000">
+                      <a:alpha val="20000"/>
+                    </a:srgbClr>
+                  </a:outerShdw>
+                </a:effectLst>
+              </a:rPr>
+              <a:t>Dataset was made for analysis</a:t>
+            </a:r>
+          </a:p>
+          <a:p>
+            <a:pPr>
+              <a:buClr>
+                <a:srgbClr val="000000"/>
+              </a:buClr>
+            </a:pPr>
+            <a:r>
+              <a:rPr lang="en-US">
+                <a:effectLst>
+                  <a:glow rad="38100">
+                    <a:prstClr val="white">
+                      <a:lumMod val="50000"/>
+                      <a:lumOff val="50000"/>
+                      <a:alpha val="20000"/>
+                    </a:prstClr>
+                  </a:glow>
+                  <a:outerShdw blurRad="44450" dist="12700" dir="13860000" algn="tl" rotWithShape="0">
+                    <a:srgbClr val="000000">
+                      <a:alpha val="20000"/>
+                    </a:srgbClr>
+                  </a:outerShdw>
+                </a:effectLst>
+              </a:rPr>
+              <a:t>M script &amp; DAX</a:t>
+            </a:r>
+            <a:endParaRPr lang="en-US" dirty="0">
+              <a:effectLst>
+                <a:glow rad="38100">
+                  <a:prstClr val="white">
+                    <a:lumMod val="50000"/>
+                    <a:lumOff val="50000"/>
+                    <a:alpha val="20000"/>
+                  </a:prstClr>
+                </a:glow>
+                <a:outerShdw blurRad="44450" dist="12700" dir="13860000" algn="tl" rotWithShape="0">
+                  <a:srgbClr val="000000">
+                    <a:alpha val="20000"/>
+                  </a:srgbClr>
+                </a:outerShdw>
+              </a:effectLst>
+            </a:endParaRPr>
+          </a:p>
+        </p:txBody>
+      </p:sp>
+      <p:sp>
+        <p:nvSpPr>
+          <p:cNvPr id="4" name="Footer Placeholder 3">
+            <a:extLst>
+              <a:ext uri="{FF2B5EF4-FFF2-40B4-BE49-F238E27FC236}">
+                <a16:creationId xmlns:a16="http://schemas.microsoft.com/office/drawing/2014/main" id="{A6167271-FA08-4704-B4F1-04A93461C69F}"/>
+              </a:ext>
+            </a:extLst>
+          </p:cNvPr>
+          <p:cNvSpPr>
+            <a:spLocks noGrp="1"/>
+          </p:cNvSpPr>
+          <p:nvPr>
+            <p:ph type="ftr" sz="quarter" idx="11"/>
+          </p:nvPr>
+        </p:nvSpPr>
+        <p:spPr>
+          <a:xfrm>
+            <a:off x="1141412" y="5883275"/>
+            <a:ext cx="7543800" cy="365125"/>
+          </a:xfrm>
+        </p:spPr>
+        <p:txBody>
+          <a:bodyPr>
+            <a:normAutofit/>
+          </a:bodyPr>
+          <a:lstStyle/>
+          <a:p>
+            <a:pPr>
+              <a:spcAft>
+                <a:spcPts val="600"/>
+              </a:spcAft>
+            </a:pPr>
+            <a:r>
+              <a:rPr lang="en-US" dirty="0"/>
+              <a:t>Data Internship</a:t>
+            </a:r>
+            <a:endParaRPr lang="en-US"/>
+          </a:p>
+        </p:txBody>
+      </p:sp>
+      <p:sp>
+        <p:nvSpPr>
+          <p:cNvPr id="5" name="Slide Number Placeholder 4">
+            <a:extLst>
+              <a:ext uri="{FF2B5EF4-FFF2-40B4-BE49-F238E27FC236}">
+                <a16:creationId xmlns:a16="http://schemas.microsoft.com/office/drawing/2014/main" id="{81EC12A1-07FD-4CB0-851E-A710407D381E}"/>
+              </a:ext>
+            </a:extLst>
+          </p:cNvPr>
+          <p:cNvSpPr>
+            <a:spLocks noGrp="1"/>
+          </p:cNvSpPr>
+          <p:nvPr>
+            <p:ph type="sldNum" sz="quarter" idx="12"/>
+          </p:nvPr>
+        </p:nvSpPr>
+        <p:spPr>
+          <a:xfrm>
+            <a:off x="10514012" y="5883275"/>
+            <a:ext cx="551167" cy="365125"/>
+          </a:xfrm>
+        </p:spPr>
+        <p:txBody>
+          <a:bodyPr>
+            <a:normAutofit/>
+          </a:bodyPr>
+          <a:lstStyle/>
+          <a:p>
+            <a:pPr>
+              <a:spcAft>
+                <a:spcPts val="600"/>
+              </a:spcAft>
+            </a:pPr>
+            <a:fld id="{D57F1E4F-1CFF-5643-939E-217C01CDF565}" type="slidenum">
+              <a:rPr lang="en-US" dirty="0"/>
+              <a:pPr>
+                <a:spcAft>
+                  <a:spcPts val="600"/>
+                </a:spcAft>
+              </a:pPr>
+              <a:t>23</a:t>
+            </a:fld>
+            <a:endParaRPr lang="en-US"/>
+          </a:p>
+        </p:txBody>
+      </p:sp>
+      <p:pic>
+        <p:nvPicPr>
+          <p:cNvPr id="6" name="Picture 4" descr="Logo, company name&#10;&#10;Description automatically generated">
+            <a:extLst>
+              <a:ext uri="{FF2B5EF4-FFF2-40B4-BE49-F238E27FC236}">
+                <a16:creationId xmlns:a16="http://schemas.microsoft.com/office/drawing/2014/main" id="{CDDF4D2B-3B5C-4D1C-BE66-31FE3971F16E}"/>
+              </a:ext>
+            </a:extLst>
+          </p:cNvPr>
+          <p:cNvPicPr>
+            <a:picLocks noChangeAspect="1"/>
+          </p:cNvPicPr>
+          <p:nvPr/>
+        </p:nvPicPr>
+        <p:blipFill>
+          <a:blip r:embed="rId2"/>
+          <a:stretch>
+            <a:fillRect/>
+          </a:stretch>
+        </p:blipFill>
+        <p:spPr>
+          <a:xfrm>
+            <a:off x="10164233" y="-2456"/>
+            <a:ext cx="1843617" cy="612094"/>
+          </a:xfrm>
+          <a:prstGeom prst="rect">
+            <a:avLst/>
+          </a:prstGeom>
+        </p:spPr>
+      </p:pic>
+    </p:spTree>
+    <p:extLst>
+      <p:ext uri="{BB962C8B-B14F-4D97-AF65-F5344CB8AC3E}">
+        <p14:creationId xmlns:p14="http://schemas.microsoft.com/office/powerpoint/2010/main" val="461039429"/>
+      </p:ext>
+    </p:extLst>
+  </p:cSld>
+  <p:clrMapOvr>
+    <a:overrideClrMapping bg1="lt1" tx1="dk1" bg2="lt2" tx2="dk2" accent1="accent1" accent2="accent2" accent3="accent3" accent4="accent4" accent5="accent5" accent6="accent6" hlink="hlink" folHlink="folHlink"/>
+  </p:clrMapOvr>
+</p:sld>
+</file>
+
+<file path=ppt/slides/slide24.xml><?xml version="1.0" encoding="utf-8"?>
+<p:sld xmlns:a="http://schemas.openxmlformats.org/drawingml/2006/main" xmlns:r="http://schemas.openxmlformats.org/officeDocument/2006/relationships" xmlns:p="http://schemas.openxmlformats.org/presentationml/2006/main">
+  <p:cSld>
+    <p:spTree>
+      <p:nvGrpSpPr>
+        <p:cNvPr id="1" name=""/>
+        <p:cNvGrpSpPr/>
+        <p:nvPr/>
+      </p:nvGrpSpPr>
+      <p:grpSpPr>
+        <a:xfrm>
+          <a:off x="0" y="0"/>
+          <a:ext cx="0" cy="0"/>
+          <a:chOff x="0" y="0"/>
+          <a:chExt cx="0" cy="0"/>
+        </a:xfrm>
+      </p:grpSpPr>
+      <p:pic>
+        <p:nvPicPr>
+          <p:cNvPr id="6" name="Picture 6" descr="Table&#10;&#10;Description automatically generated">
+            <a:extLst>
+              <a:ext uri="{FF2B5EF4-FFF2-40B4-BE49-F238E27FC236}">
+                <a16:creationId xmlns:a16="http://schemas.microsoft.com/office/drawing/2014/main" id="{DEB550F8-1E69-4B12-8A70-321993BA8EFC}"/>
+              </a:ext>
+            </a:extLst>
+          </p:cNvPr>
+          <p:cNvPicPr>
+            <a:picLocks noGrp="1" noChangeAspect="1"/>
+          </p:cNvPicPr>
+          <p:nvPr>
+            <p:ph idx="1"/>
+          </p:nvPr>
+        </p:nvPicPr>
+        <p:blipFill>
+          <a:blip r:embed="rId2"/>
+          <a:stretch>
+            <a:fillRect/>
+          </a:stretch>
+        </p:blipFill>
+        <p:spPr>
+          <a:xfrm>
+            <a:off x="-38342" y="5219"/>
+            <a:ext cx="12181999" cy="5566776"/>
+          </a:xfrm>
+        </p:spPr>
+      </p:pic>
+      <p:sp>
+        <p:nvSpPr>
+          <p:cNvPr id="4" name="Footer Placeholder 3">
+            <a:extLst>
+              <a:ext uri="{FF2B5EF4-FFF2-40B4-BE49-F238E27FC236}">
+                <a16:creationId xmlns:a16="http://schemas.microsoft.com/office/drawing/2014/main" id="{4DD3B67B-23DB-4C28-8D67-0D5AFBA953EE}"/>
+              </a:ext>
+            </a:extLst>
+          </p:cNvPr>
+          <p:cNvSpPr>
+            <a:spLocks noGrp="1"/>
+          </p:cNvSpPr>
+          <p:nvPr>
+            <p:ph type="ftr" sz="quarter" idx="11"/>
+          </p:nvPr>
+        </p:nvSpPr>
+        <p:spPr/>
+        <p:txBody>
+          <a:bodyPr/>
+          <a:lstStyle/>
+          <a:p>
+            <a:r>
+              <a:rPr lang="en-US" dirty="0"/>
+              <a:t>Data Internship</a:t>
+            </a:r>
+          </a:p>
+        </p:txBody>
+      </p:sp>
+      <p:sp>
+        <p:nvSpPr>
+          <p:cNvPr id="5" name="Slide Number Placeholder 4">
+            <a:extLst>
+              <a:ext uri="{FF2B5EF4-FFF2-40B4-BE49-F238E27FC236}">
+                <a16:creationId xmlns:a16="http://schemas.microsoft.com/office/drawing/2014/main" id="{480E4A26-2F3E-4016-8507-44E010E6ED4B}"/>
+              </a:ext>
+            </a:extLst>
+          </p:cNvPr>
+          <p:cNvSpPr>
+            <a:spLocks noGrp="1"/>
+          </p:cNvSpPr>
+          <p:nvPr>
+            <p:ph type="sldNum" sz="quarter" idx="12"/>
+          </p:nvPr>
+        </p:nvSpPr>
+        <p:spPr/>
+        <p:txBody>
+          <a:bodyPr/>
+          <a:lstStyle/>
+          <a:p>
+            <a:fld id="{D57F1E4F-1CFF-5643-939E-217C01CDF565}" type="slidenum">
+              <a:rPr lang="en-US" dirty="0"/>
+              <a:pPr/>
+              <a:t>24</a:t>
+            </a:fld>
+            <a:endParaRPr lang="en-US" dirty="0"/>
+          </a:p>
+        </p:txBody>
+      </p:sp>
+      <p:sp>
+        <p:nvSpPr>
+          <p:cNvPr id="2" name="Title 1">
+            <a:extLst>
+              <a:ext uri="{FF2B5EF4-FFF2-40B4-BE49-F238E27FC236}">
+                <a16:creationId xmlns:a16="http://schemas.microsoft.com/office/drawing/2014/main" id="{0DF6DAC5-7126-4174-84E7-710CFF2CE903}"/>
+              </a:ext>
+            </a:extLst>
+          </p:cNvPr>
+          <p:cNvSpPr>
+            <a:spLocks noGrp="1"/>
+          </p:cNvSpPr>
+          <p:nvPr>
+            <p:ph type="title"/>
+          </p:nvPr>
+        </p:nvSpPr>
+        <p:spPr>
+          <a:xfrm>
+            <a:off x="2895057" y="5254668"/>
+            <a:ext cx="9905998" cy="1905000"/>
+          </a:xfrm>
+        </p:spPr>
+        <p:txBody>
+          <a:bodyPr/>
+          <a:lstStyle/>
+          <a:p>
+            <a:r>
+              <a:rPr lang="en-US">
+                <a:effectLst>
+                  <a:glow rad="38100">
+                    <a:prstClr val="black">
+                      <a:lumMod val="65000"/>
+                      <a:lumOff val="35000"/>
+                      <a:alpha val="40000"/>
+                    </a:prstClr>
+                  </a:glow>
+                  <a:outerShdw blurRad="28575" dist="38100" dir="14040000" algn="tl" rotWithShape="0">
+                    <a:srgbClr val="000000">
+                      <a:alpha val="25000"/>
+                    </a:srgbClr>
+                  </a:outerShdw>
+                </a:effectLst>
+              </a:rPr>
+              <a:t>Table after power query</a:t>
+            </a:r>
+            <a:endParaRPr lang="en-US"/>
+          </a:p>
+        </p:txBody>
+      </p:sp>
+    </p:spTree>
+    <p:extLst>
+      <p:ext uri="{BB962C8B-B14F-4D97-AF65-F5344CB8AC3E}">
+        <p14:creationId xmlns:p14="http://schemas.microsoft.com/office/powerpoint/2010/main" val="1338169461"/>
+      </p:ext>
+    </p:extLst>
+  </p:cSld>
+  <p:clrMapOvr>
+    <a:masterClrMapping/>
+  </p:clrMapOvr>
+</p:sld>
+</file>
+
+<file path=ppt/slides/slide25.xml><?xml version="1.0" encoding="utf-8"?>
+<p:sld xmlns:a="http://schemas.openxmlformats.org/drawingml/2006/main" xmlns:r="http://schemas.openxmlformats.org/officeDocument/2006/relationships" xmlns:p="http://schemas.openxmlformats.org/presentationml/2006/main">
+  <p:cSld>
+    <p:spTree>
+      <p:nvGrpSpPr>
+        <p:cNvPr id="1" name=""/>
+        <p:cNvGrpSpPr/>
+        <p:nvPr/>
+      </p:nvGrpSpPr>
+      <p:grpSpPr>
+        <a:xfrm>
+          <a:off x="0" y="0"/>
+          <a:ext cx="0" cy="0"/>
+          <a:chOff x="0" y="0"/>
+          <a:chExt cx="0" cy="0"/>
+        </a:xfrm>
+      </p:grpSpPr>
+      <p:sp>
+        <p:nvSpPr>
+          <p:cNvPr id="2" name="Title 1">
+            <a:extLst>
+              <a:ext uri="{FF2B5EF4-FFF2-40B4-BE49-F238E27FC236}">
+                <a16:creationId xmlns:a16="http://schemas.microsoft.com/office/drawing/2014/main" id="{21487BD2-0F6D-4071-84E1-59655B28464D}"/>
+              </a:ext>
+            </a:extLst>
+          </p:cNvPr>
+          <p:cNvSpPr>
+            <a:spLocks noGrp="1"/>
+          </p:cNvSpPr>
+          <p:nvPr>
+            <p:ph type="title"/>
+          </p:nvPr>
+        </p:nvSpPr>
+        <p:spPr>
+          <a:xfrm>
+            <a:off x="8041168" y="77243"/>
+            <a:ext cx="3496849" cy="1967630"/>
+          </a:xfrm>
+        </p:spPr>
+        <p:txBody>
+          <a:bodyPr/>
+          <a:lstStyle/>
+          <a:p>
+            <a:r>
+              <a:rPr lang="en-US">
+                <a:effectLst>
+                  <a:glow rad="38100">
+                    <a:prstClr val="black">
+                      <a:lumMod val="65000"/>
+                      <a:lumOff val="35000"/>
+                      <a:alpha val="40000"/>
+                    </a:prstClr>
+                  </a:glow>
+                  <a:outerShdw blurRad="28575" dist="38100" dir="14040000" algn="tl" rotWithShape="0">
+                    <a:srgbClr val="000000">
+                      <a:alpha val="25000"/>
+                    </a:srgbClr>
+                  </a:outerShdw>
+                </a:effectLst>
+              </a:rPr>
+              <a:t>Day_of_week?</a:t>
+            </a:r>
+            <a:endParaRPr lang="en-US"/>
+          </a:p>
+        </p:txBody>
+      </p:sp>
+      <p:pic>
+        <p:nvPicPr>
+          <p:cNvPr id="6" name="Picture 6" descr="Table&#10;&#10;Description automatically generated">
+            <a:extLst>
+              <a:ext uri="{FF2B5EF4-FFF2-40B4-BE49-F238E27FC236}">
+                <a16:creationId xmlns:a16="http://schemas.microsoft.com/office/drawing/2014/main" id="{CF32F112-2F5D-4D66-BDD6-447DBF1E7542}"/>
+              </a:ext>
+            </a:extLst>
+          </p:cNvPr>
+          <p:cNvPicPr>
+            <a:picLocks noGrp="1" noChangeAspect="1"/>
+          </p:cNvPicPr>
+          <p:nvPr>
+            <p:ph idx="1"/>
+          </p:nvPr>
+        </p:nvPicPr>
+        <p:blipFill>
+          <a:blip r:embed="rId2"/>
+          <a:stretch>
+            <a:fillRect/>
+          </a:stretch>
+        </p:blipFill>
+        <p:spPr>
+          <a:xfrm>
+            <a:off x="-2778" y="-36535"/>
+            <a:ext cx="8050353" cy="5827735"/>
+          </a:xfrm>
+        </p:spPr>
+      </p:pic>
+      <p:sp>
+        <p:nvSpPr>
+          <p:cNvPr id="4" name="Footer Placeholder 3">
+            <a:extLst>
+              <a:ext uri="{FF2B5EF4-FFF2-40B4-BE49-F238E27FC236}">
+                <a16:creationId xmlns:a16="http://schemas.microsoft.com/office/drawing/2014/main" id="{D667B7E4-2831-479C-AE1B-B4AA0E4D3FD7}"/>
+              </a:ext>
+            </a:extLst>
+          </p:cNvPr>
+          <p:cNvSpPr>
+            <a:spLocks noGrp="1"/>
+          </p:cNvSpPr>
+          <p:nvPr>
+            <p:ph type="ftr" sz="quarter" idx="11"/>
+          </p:nvPr>
+        </p:nvSpPr>
+        <p:spPr/>
+        <p:txBody>
+          <a:bodyPr/>
+          <a:lstStyle/>
+          <a:p>
+            <a:r>
+              <a:rPr lang="en-US" dirty="0"/>
+              <a:t>Data Internship</a:t>
+            </a:r>
+          </a:p>
+        </p:txBody>
+      </p:sp>
+      <p:sp>
+        <p:nvSpPr>
+          <p:cNvPr id="5" name="Slide Number Placeholder 4">
+            <a:extLst>
+              <a:ext uri="{FF2B5EF4-FFF2-40B4-BE49-F238E27FC236}">
+                <a16:creationId xmlns:a16="http://schemas.microsoft.com/office/drawing/2014/main" id="{366B2819-2D5C-4D29-97C4-095888B10A96}"/>
+              </a:ext>
+            </a:extLst>
+          </p:cNvPr>
+          <p:cNvSpPr>
+            <a:spLocks noGrp="1"/>
+          </p:cNvSpPr>
+          <p:nvPr>
+            <p:ph type="sldNum" sz="quarter" idx="12"/>
+          </p:nvPr>
+        </p:nvSpPr>
+        <p:spPr/>
+        <p:txBody>
+          <a:bodyPr/>
+          <a:lstStyle/>
+          <a:p>
+            <a:fld id="{D57F1E4F-1CFF-5643-939E-217C01CDF565}" type="slidenum">
+              <a:rPr lang="en-US" dirty="0"/>
+              <a:pPr/>
+              <a:t>25</a:t>
+            </a:fld>
+            <a:endParaRPr lang="en-US" dirty="0"/>
+          </a:p>
+        </p:txBody>
+      </p:sp>
+      <p:pic>
+        <p:nvPicPr>
+          <p:cNvPr id="7" name="Picture 7">
+            <a:extLst>
+              <a:ext uri="{FF2B5EF4-FFF2-40B4-BE49-F238E27FC236}">
+                <a16:creationId xmlns:a16="http://schemas.microsoft.com/office/drawing/2014/main" id="{CE292CAA-CDED-4B97-BEBB-2EFE707BEDF4}"/>
+              </a:ext>
+            </a:extLst>
+          </p:cNvPr>
+          <p:cNvPicPr>
+            <a:picLocks noChangeAspect="1"/>
+          </p:cNvPicPr>
+          <p:nvPr/>
+        </p:nvPicPr>
+        <p:blipFill>
+          <a:blip r:embed="rId3"/>
+          <a:stretch>
+            <a:fillRect/>
+          </a:stretch>
+        </p:blipFill>
+        <p:spPr>
+          <a:xfrm>
+            <a:off x="8043798" y="1472046"/>
+            <a:ext cx="4162815" cy="312674"/>
+          </a:xfrm>
+          <a:prstGeom prst="rect">
+            <a:avLst/>
+          </a:prstGeom>
+        </p:spPr>
+      </p:pic>
+      <p:sp>
+        <p:nvSpPr>
+          <p:cNvPr id="8" name="TextBox 7">
+            <a:extLst>
+              <a:ext uri="{FF2B5EF4-FFF2-40B4-BE49-F238E27FC236}">
+                <a16:creationId xmlns:a16="http://schemas.microsoft.com/office/drawing/2014/main" id="{D6A1FC53-EEB8-461C-99C7-C7987B75C963}"/>
+              </a:ext>
+            </a:extLst>
+          </p:cNvPr>
+          <p:cNvSpPr txBox="1"/>
+          <p:nvPr/>
+        </p:nvSpPr>
+        <p:spPr>
+          <a:xfrm>
+            <a:off x="8043797" y="1906044"/>
+            <a:ext cx="2743199" cy="369332"/>
+          </a:xfrm>
+          <a:prstGeom prst="rect">
+            <a:avLst/>
+          </a:prstGeom>
+          <a:noFill/>
+        </p:spPr>
+        <p:txBody>
+          <a:bodyPr rot="0" spcFirstLastPara="0" vertOverflow="overflow" horzOverflow="overflow" vert="horz" wrap="square" lIns="91440" tIns="45720" rIns="91440" bIns="45720" numCol="1" spcCol="0" rtlCol="0" fromWordArt="0" anchor="t" anchorCtr="0" forceAA="0" compatLnSpc="1">
+            <a:prstTxWarp prst="textNoShape">
+              <a:avLst/>
+            </a:prstTxWarp>
+            <a:spAutoFit/>
+          </a:bodyPr>
+          <a:lstStyle/>
+          <a:p>
+            <a:r>
+              <a:rPr lang="en-US"/>
+              <a:t>And other measures</a:t>
+            </a:r>
+          </a:p>
+        </p:txBody>
+      </p:sp>
+      <p:pic>
+        <p:nvPicPr>
+          <p:cNvPr id="9" name="Picture 9" descr="Graphical user interface, text, application&#10;&#10;Description automatically generated">
+            <a:extLst>
+              <a:ext uri="{FF2B5EF4-FFF2-40B4-BE49-F238E27FC236}">
+                <a16:creationId xmlns:a16="http://schemas.microsoft.com/office/drawing/2014/main" id="{1A602A58-0FBA-4CF7-B475-4CE9DAC2A67C}"/>
+              </a:ext>
+            </a:extLst>
+          </p:cNvPr>
+          <p:cNvPicPr>
+            <a:picLocks noChangeAspect="1"/>
+          </p:cNvPicPr>
+          <p:nvPr/>
+        </p:nvPicPr>
+        <p:blipFill>
+          <a:blip r:embed="rId4"/>
+          <a:stretch>
+            <a:fillRect/>
+          </a:stretch>
+        </p:blipFill>
+        <p:spPr>
+          <a:xfrm>
+            <a:off x="8043797" y="2371128"/>
+            <a:ext cx="4037556" cy="1113661"/>
+          </a:xfrm>
+          <a:prstGeom prst="rect">
+            <a:avLst/>
+          </a:prstGeom>
+        </p:spPr>
+      </p:pic>
+      <p:pic>
+        <p:nvPicPr>
+          <p:cNvPr id="10" name="Picture 10" descr="Graphical user interface, text&#10;&#10;Description automatically generated">
+            <a:extLst>
+              <a:ext uri="{FF2B5EF4-FFF2-40B4-BE49-F238E27FC236}">
+                <a16:creationId xmlns:a16="http://schemas.microsoft.com/office/drawing/2014/main" id="{243B534F-B1D9-4C5B-8A88-4E1A78086426}"/>
+              </a:ext>
+            </a:extLst>
+          </p:cNvPr>
+          <p:cNvPicPr>
+            <a:picLocks noChangeAspect="1"/>
+          </p:cNvPicPr>
+          <p:nvPr/>
+        </p:nvPicPr>
+        <p:blipFill>
+          <a:blip r:embed="rId5"/>
+          <a:stretch>
+            <a:fillRect/>
+          </a:stretch>
+        </p:blipFill>
+        <p:spPr>
+          <a:xfrm>
+            <a:off x="8043798" y="3670057"/>
+            <a:ext cx="4037555" cy="1125391"/>
+          </a:xfrm>
+          <a:prstGeom prst="rect">
+            <a:avLst/>
+          </a:prstGeom>
+        </p:spPr>
+      </p:pic>
+      <p:pic>
+        <p:nvPicPr>
+          <p:cNvPr id="12" name="Picture 4" descr="Logo, company name&#10;&#10;Description automatically generated">
+            <a:extLst>
+              <a:ext uri="{FF2B5EF4-FFF2-40B4-BE49-F238E27FC236}">
+                <a16:creationId xmlns:a16="http://schemas.microsoft.com/office/drawing/2014/main" id="{60342B27-BC31-41DA-9987-B08ABA20E184}"/>
+              </a:ext>
+            </a:extLst>
+          </p:cNvPr>
+          <p:cNvPicPr>
+            <a:picLocks noChangeAspect="1"/>
+          </p:cNvPicPr>
+          <p:nvPr/>
+        </p:nvPicPr>
+        <p:blipFill>
+          <a:blip r:embed="rId6"/>
+          <a:stretch>
+            <a:fillRect/>
+          </a:stretch>
+        </p:blipFill>
+        <p:spPr>
+          <a:xfrm>
+            <a:off x="10164233" y="-2456"/>
+            <a:ext cx="1843617" cy="612094"/>
+          </a:xfrm>
+          <a:prstGeom prst="rect">
+            <a:avLst/>
+          </a:prstGeom>
+        </p:spPr>
+      </p:pic>
+    </p:spTree>
+    <p:extLst>
+      <p:ext uri="{BB962C8B-B14F-4D97-AF65-F5344CB8AC3E}">
+        <p14:creationId xmlns:p14="http://schemas.microsoft.com/office/powerpoint/2010/main" val="2679226478"/>
+      </p:ext>
+    </p:extLst>
+  </p:cSld>
+  <p:clrMapOvr>
+    <a:masterClrMapping/>
+  </p:clrMapOvr>
+</p:sld>
+</file>
+
+<file path=ppt/slides/slide26.xml><?xml version="1.0" encoding="utf-8"?>
+<p:sld xmlns:a="http://schemas.openxmlformats.org/drawingml/2006/main" xmlns:r="http://schemas.openxmlformats.org/officeDocument/2006/relationships" xmlns:p="http://schemas.openxmlformats.org/presentationml/2006/main">
+  <p:cSld>
+    <p:spTree>
+      <p:nvGrpSpPr>
+        <p:cNvPr id="1" name=""/>
+        <p:cNvGrpSpPr/>
+        <p:nvPr/>
+      </p:nvGrpSpPr>
+      <p:grpSpPr>
+        <a:xfrm>
+          <a:off x="0" y="0"/>
+          <a:ext cx="0" cy="0"/>
+          <a:chOff x="0" y="0"/>
+          <a:chExt cx="0" cy="0"/>
+        </a:xfrm>
+      </p:grpSpPr>
+      <p:pic>
+        <p:nvPicPr>
+          <p:cNvPr id="8" name="Picture 4" descr="Logo, company name&#10;&#10;Description automatically generated">
+            <a:extLst>
+              <a:ext uri="{FF2B5EF4-FFF2-40B4-BE49-F238E27FC236}">
+                <a16:creationId xmlns:a16="http://schemas.microsoft.com/office/drawing/2014/main" id="{E6CE1157-CD21-4D74-B1ED-4117768EADBF}"/>
+              </a:ext>
+            </a:extLst>
+          </p:cNvPr>
+          <p:cNvPicPr>
+            <a:picLocks noChangeAspect="1"/>
+          </p:cNvPicPr>
+          <p:nvPr/>
+        </p:nvPicPr>
+        <p:blipFill>
+          <a:blip r:embed="rId2"/>
+          <a:stretch>
+            <a:fillRect/>
+          </a:stretch>
+        </p:blipFill>
+        <p:spPr>
+          <a:xfrm>
+            <a:off x="10164233" y="-2456"/>
+            <a:ext cx="1843617" cy="612094"/>
+          </a:xfrm>
+          <a:prstGeom prst="rect">
+            <a:avLst/>
+          </a:prstGeom>
+        </p:spPr>
+      </p:pic>
+      <p:sp>
+        <p:nvSpPr>
+          <p:cNvPr id="2" name="Title 1">
+            <a:extLst>
+              <a:ext uri="{FF2B5EF4-FFF2-40B4-BE49-F238E27FC236}">
+                <a16:creationId xmlns:a16="http://schemas.microsoft.com/office/drawing/2014/main" id="{2EBA5CF9-0454-4489-BE09-CD7EF2131194}"/>
+              </a:ext>
+            </a:extLst>
+          </p:cNvPr>
+          <p:cNvSpPr>
+            <a:spLocks noGrp="1"/>
+          </p:cNvSpPr>
+          <p:nvPr>
+            <p:ph type="title"/>
+          </p:nvPr>
+        </p:nvSpPr>
+        <p:spPr/>
+        <p:txBody>
+          <a:bodyPr/>
+          <a:lstStyle/>
+          <a:p>
+            <a:endParaRPr lang="en-US"/>
+          </a:p>
+        </p:txBody>
+      </p:sp>
+      <p:pic>
+        <p:nvPicPr>
+          <p:cNvPr id="6" name="Picture 6">
+            <a:extLst>
+              <a:ext uri="{FF2B5EF4-FFF2-40B4-BE49-F238E27FC236}">
+                <a16:creationId xmlns:a16="http://schemas.microsoft.com/office/drawing/2014/main" id="{CFE27EA6-234B-4C42-BE41-2F1C51EB44CB}"/>
+              </a:ext>
+            </a:extLst>
+          </p:cNvPr>
+          <p:cNvPicPr>
+            <a:picLocks noGrp="1" noChangeAspect="1"/>
+          </p:cNvPicPr>
+          <p:nvPr>
+            <p:ph idx="1"/>
+          </p:nvPr>
+        </p:nvPicPr>
+        <p:blipFill>
+          <a:blip r:embed="rId3"/>
+          <a:stretch>
+            <a:fillRect/>
+          </a:stretch>
+        </p:blipFill>
+        <p:spPr>
+          <a:xfrm>
+            <a:off x="946441" y="-46974"/>
+            <a:ext cx="10295939" cy="5754666"/>
+          </a:xfrm>
+        </p:spPr>
+      </p:pic>
+      <p:sp>
+        <p:nvSpPr>
+          <p:cNvPr id="4" name="Footer Placeholder 3">
+            <a:extLst>
+              <a:ext uri="{FF2B5EF4-FFF2-40B4-BE49-F238E27FC236}">
+                <a16:creationId xmlns:a16="http://schemas.microsoft.com/office/drawing/2014/main" id="{A33A7034-DF6B-4A1B-A17C-2DD7C41E0F93}"/>
+              </a:ext>
+            </a:extLst>
+          </p:cNvPr>
+          <p:cNvSpPr>
+            <a:spLocks noGrp="1"/>
+          </p:cNvSpPr>
+          <p:nvPr>
+            <p:ph type="ftr" sz="quarter" idx="11"/>
+          </p:nvPr>
+        </p:nvSpPr>
+        <p:spPr/>
+        <p:txBody>
+          <a:bodyPr/>
+          <a:lstStyle/>
+          <a:p>
+            <a:r>
+              <a:rPr lang="en-US" dirty="0"/>
+              <a:t>Data Internship</a:t>
+            </a:r>
+          </a:p>
+        </p:txBody>
+      </p:sp>
+      <p:sp>
+        <p:nvSpPr>
+          <p:cNvPr id="5" name="Slide Number Placeholder 4">
+            <a:extLst>
+              <a:ext uri="{FF2B5EF4-FFF2-40B4-BE49-F238E27FC236}">
+                <a16:creationId xmlns:a16="http://schemas.microsoft.com/office/drawing/2014/main" id="{1DE99C23-71DF-427E-B4FE-AF0D601E6218}"/>
+              </a:ext>
+            </a:extLst>
+          </p:cNvPr>
+          <p:cNvSpPr>
+            <a:spLocks noGrp="1"/>
+          </p:cNvSpPr>
+          <p:nvPr>
+            <p:ph type="sldNum" sz="quarter" idx="12"/>
+          </p:nvPr>
+        </p:nvSpPr>
+        <p:spPr/>
+        <p:txBody>
+          <a:bodyPr/>
+          <a:lstStyle/>
+          <a:p>
+            <a:fld id="{D57F1E4F-1CFF-5643-939E-217C01CDF565}" type="slidenum">
+              <a:rPr lang="en-US" dirty="0"/>
+              <a:pPr/>
+              <a:t>26</a:t>
+            </a:fld>
+            <a:endParaRPr lang="en-US" dirty="0"/>
+          </a:p>
+        </p:txBody>
+      </p:sp>
+    </p:spTree>
+    <p:extLst>
+      <p:ext uri="{BB962C8B-B14F-4D97-AF65-F5344CB8AC3E}">
+        <p14:creationId xmlns:p14="http://schemas.microsoft.com/office/powerpoint/2010/main" val="2446890054"/>
+      </p:ext>
+    </p:extLst>
+  </p:cSld>
+  <p:clrMapOvr>
+    <a:masterClrMapping/>
+  </p:clrMapOvr>
+</p:sld>
+</file>
+
+<file path=ppt/slides/slide27.xml><?xml version="1.0" encoding="utf-8"?>
+<p:sld xmlns:a="http://schemas.openxmlformats.org/drawingml/2006/main" xmlns:r="http://schemas.openxmlformats.org/officeDocument/2006/relationships" xmlns:p="http://schemas.openxmlformats.org/presentationml/2006/main">
+  <p:cSld>
+    <p:spTree>
+      <p:nvGrpSpPr>
+        <p:cNvPr id="1" name=""/>
+        <p:cNvGrpSpPr/>
+        <p:nvPr/>
+      </p:nvGrpSpPr>
+      <p:grpSpPr>
+        <a:xfrm>
+          <a:off x="0" y="0"/>
+          <a:ext cx="0" cy="0"/>
+          <a:chOff x="0" y="0"/>
+          <a:chExt cx="0" cy="0"/>
+        </a:xfrm>
+      </p:grpSpPr>
+      <p:pic>
+        <p:nvPicPr>
+          <p:cNvPr id="11" name="Picture 4" descr="Logo, company name&#10;&#10;Description automatically generated">
+            <a:extLst>
+              <a:ext uri="{FF2B5EF4-FFF2-40B4-BE49-F238E27FC236}">
+                <a16:creationId xmlns:a16="http://schemas.microsoft.com/office/drawing/2014/main" id="{FA37F14F-1A4D-404B-95DE-AAAF9F36368F}"/>
+              </a:ext>
+            </a:extLst>
+          </p:cNvPr>
+          <p:cNvPicPr>
+            <a:picLocks noChangeAspect="1"/>
+          </p:cNvPicPr>
+          <p:nvPr/>
+        </p:nvPicPr>
+        <p:blipFill>
+          <a:blip r:embed="rId2"/>
+          <a:stretch>
+            <a:fillRect/>
+          </a:stretch>
+        </p:blipFill>
+        <p:spPr>
+          <a:xfrm>
+            <a:off x="10164233" y="-2456"/>
+            <a:ext cx="1843617" cy="612094"/>
+          </a:xfrm>
+          <a:prstGeom prst="rect">
+            <a:avLst/>
+          </a:prstGeom>
+        </p:spPr>
+      </p:pic>
+      <p:sp>
+        <p:nvSpPr>
+          <p:cNvPr id="2" name="Title 1">
+            <a:extLst>
+              <a:ext uri="{FF2B5EF4-FFF2-40B4-BE49-F238E27FC236}">
+                <a16:creationId xmlns:a16="http://schemas.microsoft.com/office/drawing/2014/main" id="{4B8F81BA-67F3-4345-A26E-157DE1EB4D56}"/>
+              </a:ext>
+            </a:extLst>
+          </p:cNvPr>
+          <p:cNvSpPr>
+            <a:spLocks noGrp="1"/>
+          </p:cNvSpPr>
+          <p:nvPr>
+            <p:ph type="title"/>
+          </p:nvPr>
+        </p:nvSpPr>
+        <p:spPr>
+          <a:xfrm>
+            <a:off x="3051632" y="5515627"/>
+            <a:ext cx="9905998" cy="1905000"/>
+          </a:xfrm>
+        </p:spPr>
+        <p:txBody>
+          <a:bodyPr/>
+          <a:lstStyle/>
+          <a:p>
+            <a:r>
+              <a:rPr lang="en-US">
+                <a:effectLst>
+                  <a:glow rad="38100">
+                    <a:prstClr val="black">
+                      <a:lumMod val="65000"/>
+                      <a:lumOff val="35000"/>
+                      <a:alpha val="40000"/>
+                    </a:prstClr>
+                  </a:glow>
+                  <a:outerShdw blurRad="28575" dist="38100" dir="14040000" algn="tl" rotWithShape="0">
+                    <a:srgbClr val="000000">
+                      <a:alpha val="25000"/>
+                    </a:srgbClr>
+                  </a:outerShdw>
+                </a:effectLst>
+              </a:rPr>
+              <a:t>You can click to see breakdown</a:t>
+            </a:r>
+            <a:endParaRPr lang="en-US"/>
+          </a:p>
+        </p:txBody>
+      </p:sp>
+      <p:sp>
+        <p:nvSpPr>
+          <p:cNvPr id="4" name="Footer Placeholder 3">
+            <a:extLst>
+              <a:ext uri="{FF2B5EF4-FFF2-40B4-BE49-F238E27FC236}">
+                <a16:creationId xmlns:a16="http://schemas.microsoft.com/office/drawing/2014/main" id="{F4ABB4B0-D6DB-4304-BAD1-9FD3C3C4F3DF}"/>
+              </a:ext>
+            </a:extLst>
+          </p:cNvPr>
+          <p:cNvSpPr>
+            <a:spLocks noGrp="1"/>
+          </p:cNvSpPr>
+          <p:nvPr>
+            <p:ph type="ftr" sz="quarter" idx="11"/>
+          </p:nvPr>
+        </p:nvSpPr>
+        <p:spPr/>
+        <p:txBody>
+          <a:bodyPr/>
+          <a:lstStyle/>
+          <a:p>
+            <a:r>
+              <a:rPr lang="en-US" dirty="0"/>
+              <a:t>Data Internship</a:t>
+            </a:r>
+          </a:p>
+        </p:txBody>
+      </p:sp>
+      <p:sp>
+        <p:nvSpPr>
+          <p:cNvPr id="5" name="Slide Number Placeholder 4">
+            <a:extLst>
+              <a:ext uri="{FF2B5EF4-FFF2-40B4-BE49-F238E27FC236}">
+                <a16:creationId xmlns:a16="http://schemas.microsoft.com/office/drawing/2014/main" id="{FF153FF1-8DB3-49DA-B099-E8749C4CF68D}"/>
+              </a:ext>
+            </a:extLst>
+          </p:cNvPr>
+          <p:cNvSpPr>
+            <a:spLocks noGrp="1"/>
+          </p:cNvSpPr>
+          <p:nvPr>
+            <p:ph type="sldNum" sz="quarter" idx="12"/>
+          </p:nvPr>
+        </p:nvSpPr>
+        <p:spPr/>
+        <p:txBody>
+          <a:bodyPr/>
+          <a:lstStyle/>
+          <a:p>
+            <a:fld id="{D57F1E4F-1CFF-5643-939E-217C01CDF565}" type="slidenum">
+              <a:rPr lang="en-US" dirty="0"/>
+              <a:pPr/>
+              <a:t>27</a:t>
+            </a:fld>
+            <a:endParaRPr lang="en-US" dirty="0"/>
+          </a:p>
+        </p:txBody>
+      </p:sp>
+      <p:pic>
+        <p:nvPicPr>
+          <p:cNvPr id="9" name="Picture 9" descr="Chart, pie chart&#10;&#10;Description automatically generated">
+            <a:extLst>
+              <a:ext uri="{FF2B5EF4-FFF2-40B4-BE49-F238E27FC236}">
+                <a16:creationId xmlns:a16="http://schemas.microsoft.com/office/drawing/2014/main" id="{B3E16C2F-A8C3-4712-9B04-DE6A049B21AD}"/>
+              </a:ext>
+            </a:extLst>
+          </p:cNvPr>
+          <p:cNvPicPr>
+            <a:picLocks noGrp="1" noChangeAspect="1"/>
+          </p:cNvPicPr>
+          <p:nvPr>
+            <p:ph idx="1"/>
+          </p:nvPr>
+        </p:nvPicPr>
+        <p:blipFill>
+          <a:blip r:embed="rId3"/>
+          <a:stretch>
+            <a:fillRect/>
+          </a:stretch>
+        </p:blipFill>
+        <p:spPr>
+          <a:xfrm>
+            <a:off x="1354595" y="5218"/>
+            <a:ext cx="9020345" cy="5869488"/>
+          </a:xfrm>
+        </p:spPr>
+      </p:pic>
+    </p:spTree>
+    <p:extLst>
+      <p:ext uri="{BB962C8B-B14F-4D97-AF65-F5344CB8AC3E}">
+        <p14:creationId xmlns:p14="http://schemas.microsoft.com/office/powerpoint/2010/main" val="1079133248"/>
+      </p:ext>
+    </p:extLst>
+  </p:cSld>
+  <p:clrMapOvr>
+    <a:masterClrMapping/>
+  </p:clrMapOvr>
+</p:sld>
+</file>
+
+<file path=ppt/slides/slide28.xml><?xml version="1.0" encoding="utf-8"?>
+<p:sld xmlns:a="http://schemas.openxmlformats.org/drawingml/2006/main" xmlns:r="http://schemas.openxmlformats.org/officeDocument/2006/relationships" xmlns:p="http://schemas.openxmlformats.org/presentationml/2006/main">
+  <p:cSld>
+    <p:spTree>
+      <p:nvGrpSpPr>
+        <p:cNvPr id="1" name=""/>
+        <p:cNvGrpSpPr/>
+        <p:nvPr/>
+      </p:nvGrpSpPr>
+      <p:grpSpPr>
+        <a:xfrm>
+          <a:off x="0" y="0"/>
+          <a:ext cx="0" cy="0"/>
+          <a:chOff x="0" y="0"/>
+          <a:chExt cx="0" cy="0"/>
+        </a:xfrm>
+      </p:grpSpPr>
+      <p:pic>
+        <p:nvPicPr>
+          <p:cNvPr id="11" name="Picture 4" descr="Logo, company name&#10;&#10;Description automatically generated">
+            <a:extLst>
+              <a:ext uri="{FF2B5EF4-FFF2-40B4-BE49-F238E27FC236}">
+                <a16:creationId xmlns:a16="http://schemas.microsoft.com/office/drawing/2014/main" id="{2F69FC33-31A1-417B-8802-E4A3E0DF706D}"/>
+              </a:ext>
+            </a:extLst>
+          </p:cNvPr>
+          <p:cNvPicPr>
+            <a:picLocks noChangeAspect="1"/>
+          </p:cNvPicPr>
+          <p:nvPr/>
+        </p:nvPicPr>
+        <p:blipFill>
+          <a:blip r:embed="rId2"/>
+          <a:stretch>
+            <a:fillRect/>
+          </a:stretch>
+        </p:blipFill>
+        <p:spPr>
+          <a:xfrm>
+            <a:off x="10164233" y="-2456"/>
+            <a:ext cx="1843617" cy="612094"/>
+          </a:xfrm>
+          <a:prstGeom prst="rect">
+            <a:avLst/>
+          </a:prstGeom>
+        </p:spPr>
+      </p:pic>
+      <p:sp>
+        <p:nvSpPr>
+          <p:cNvPr id="2" name="Title 1">
+            <a:extLst>
+              <a:ext uri="{FF2B5EF4-FFF2-40B4-BE49-F238E27FC236}">
+                <a16:creationId xmlns:a16="http://schemas.microsoft.com/office/drawing/2014/main" id="{A06FC8B9-B166-4BA9-A42A-5A734A6781E0}"/>
+              </a:ext>
+            </a:extLst>
+          </p:cNvPr>
+          <p:cNvSpPr>
+            <a:spLocks noGrp="1"/>
+          </p:cNvSpPr>
+          <p:nvPr>
+            <p:ph type="title"/>
+          </p:nvPr>
+        </p:nvSpPr>
+        <p:spPr>
+          <a:xfrm>
+            <a:off x="2185248" y="4983272"/>
+            <a:ext cx="9905998" cy="1905000"/>
+          </a:xfrm>
+        </p:spPr>
+        <p:txBody>
+          <a:bodyPr/>
+          <a:lstStyle/>
+          <a:p>
+            <a:r>
+              <a:rPr lang="en-US">
+                <a:effectLst>
+                  <a:glow rad="38100">
+                    <a:prstClr val="black">
+                      <a:lumMod val="65000"/>
+                      <a:lumOff val="35000"/>
+                      <a:alpha val="40000"/>
+                    </a:prstClr>
+                  </a:glow>
+                  <a:outerShdw blurRad="28575" dist="38100" dir="14040000" algn="tl" rotWithShape="0">
+                    <a:srgbClr val="000000">
+                      <a:alpha val="25000"/>
+                    </a:srgbClr>
+                  </a:outerShdw>
+                </a:effectLst>
+              </a:rPr>
+              <a:t>Interactive map w/ date slicer</a:t>
+            </a:r>
+            <a:endParaRPr lang="en-US"/>
+          </a:p>
+        </p:txBody>
+      </p:sp>
+      <p:sp>
+        <p:nvSpPr>
+          <p:cNvPr id="4" name="Footer Placeholder 3">
+            <a:extLst>
+              <a:ext uri="{FF2B5EF4-FFF2-40B4-BE49-F238E27FC236}">
+                <a16:creationId xmlns:a16="http://schemas.microsoft.com/office/drawing/2014/main" id="{924E7B69-A6B9-4DFC-9837-C6FA726F70F9}"/>
+              </a:ext>
+            </a:extLst>
+          </p:cNvPr>
+          <p:cNvSpPr>
+            <a:spLocks noGrp="1"/>
+          </p:cNvSpPr>
+          <p:nvPr>
+            <p:ph type="ftr" sz="quarter" idx="11"/>
+          </p:nvPr>
+        </p:nvSpPr>
+        <p:spPr/>
+        <p:txBody>
+          <a:bodyPr/>
+          <a:lstStyle/>
+          <a:p>
+            <a:r>
+              <a:rPr lang="en-US" dirty="0"/>
+              <a:t>Data Internship</a:t>
+            </a:r>
+          </a:p>
+        </p:txBody>
+      </p:sp>
+      <p:sp>
+        <p:nvSpPr>
+          <p:cNvPr id="5" name="Slide Number Placeholder 4">
+            <a:extLst>
+              <a:ext uri="{FF2B5EF4-FFF2-40B4-BE49-F238E27FC236}">
+                <a16:creationId xmlns:a16="http://schemas.microsoft.com/office/drawing/2014/main" id="{A2522D6D-DADA-4716-ADF9-3E1BE8F85544}"/>
+              </a:ext>
+            </a:extLst>
+          </p:cNvPr>
+          <p:cNvSpPr>
+            <a:spLocks noGrp="1"/>
+          </p:cNvSpPr>
+          <p:nvPr>
+            <p:ph type="sldNum" sz="quarter" idx="12"/>
+          </p:nvPr>
+        </p:nvSpPr>
+        <p:spPr/>
+        <p:txBody>
+          <a:bodyPr/>
+          <a:lstStyle/>
+          <a:p>
+            <a:fld id="{D57F1E4F-1CFF-5643-939E-217C01CDF565}" type="slidenum">
+              <a:rPr lang="en-US" dirty="0"/>
+              <a:pPr/>
+              <a:t>28</a:t>
+            </a:fld>
+            <a:endParaRPr lang="en-US" dirty="0"/>
+          </a:p>
+        </p:txBody>
+      </p:sp>
+      <p:pic>
+        <p:nvPicPr>
+          <p:cNvPr id="9" name="Picture 9">
+            <a:extLst>
+              <a:ext uri="{FF2B5EF4-FFF2-40B4-BE49-F238E27FC236}">
+                <a16:creationId xmlns:a16="http://schemas.microsoft.com/office/drawing/2014/main" id="{C2988258-6750-4984-98CD-286DB772517C}"/>
+              </a:ext>
+            </a:extLst>
+          </p:cNvPr>
+          <p:cNvPicPr>
+            <a:picLocks noGrp="1" noChangeAspect="1"/>
+          </p:cNvPicPr>
+          <p:nvPr>
+            <p:ph idx="1"/>
+          </p:nvPr>
+        </p:nvPicPr>
+        <p:blipFill>
+          <a:blip r:embed="rId3"/>
+          <a:stretch>
+            <a:fillRect/>
+          </a:stretch>
+        </p:blipFill>
+        <p:spPr>
+          <a:xfrm>
+            <a:off x="979298" y="5218"/>
+            <a:ext cx="10011021" cy="5618968"/>
+          </a:xfrm>
+        </p:spPr>
+      </p:pic>
+    </p:spTree>
+    <p:extLst>
+      <p:ext uri="{BB962C8B-B14F-4D97-AF65-F5344CB8AC3E}">
+        <p14:creationId xmlns:p14="http://schemas.microsoft.com/office/powerpoint/2010/main" val="60854849"/>
+      </p:ext>
+    </p:extLst>
+  </p:cSld>
+  <p:clrMapOvr>
+    <a:masterClrMapping/>
+  </p:clrMapOvr>
+</p:sld>
+</file>
+
+<file path=ppt/slides/slide29.xml><?xml version="1.0" encoding="utf-8"?>
+<p:sld xmlns:a="http://schemas.openxmlformats.org/drawingml/2006/main" xmlns:r="http://schemas.openxmlformats.org/officeDocument/2006/relationships" xmlns:p="http://schemas.openxmlformats.org/presentationml/2006/main">
+  <p:cSld>
+    <p:spTree>
+      <p:nvGrpSpPr>
+        <p:cNvPr id="1" name=""/>
+        <p:cNvGrpSpPr/>
+        <p:nvPr/>
+      </p:nvGrpSpPr>
+      <p:grpSpPr>
+        <a:xfrm>
+          <a:off x="0" y="0"/>
+          <a:ext cx="0" cy="0"/>
+          <a:chOff x="0" y="0"/>
+          <a:chExt cx="0" cy="0"/>
+        </a:xfrm>
+      </p:grpSpPr>
+      <p:sp>
+        <p:nvSpPr>
+          <p:cNvPr id="2" name="Title 1">
+            <a:extLst>
+              <a:ext uri="{FF2B5EF4-FFF2-40B4-BE49-F238E27FC236}">
+                <a16:creationId xmlns:a16="http://schemas.microsoft.com/office/drawing/2014/main" id="{30DEC714-1A77-4822-98AC-CD6B353A779C}"/>
+              </a:ext>
+            </a:extLst>
+          </p:cNvPr>
+          <p:cNvSpPr>
+            <a:spLocks noGrp="1"/>
+          </p:cNvSpPr>
+          <p:nvPr>
+            <p:ph type="title"/>
+          </p:nvPr>
+        </p:nvSpPr>
+        <p:spPr>
+          <a:xfrm>
+            <a:off x="2112180" y="4931079"/>
+            <a:ext cx="9905998" cy="1905000"/>
+          </a:xfrm>
+        </p:spPr>
+        <p:txBody>
+          <a:bodyPr/>
+          <a:lstStyle/>
+          <a:p>
+            <a:r>
+              <a:rPr lang="en-US">
+                <a:effectLst>
+                  <a:glow rad="38100">
+                    <a:prstClr val="black">
+                      <a:lumMod val="65000"/>
+                      <a:lumOff val="35000"/>
+                      <a:alpha val="40000"/>
+                    </a:prstClr>
+                  </a:glow>
+                  <a:outerShdw blurRad="28575" dist="38100" dir="14040000" algn="tl" rotWithShape="0">
+                    <a:srgbClr val="000000">
+                      <a:alpha val="25000"/>
+                    </a:srgbClr>
+                  </a:outerShdw>
+                </a:effectLst>
+              </a:rPr>
+              <a:t>Breakdown of arrests by age &amp; sex</a:t>
+            </a:r>
+            <a:endParaRPr lang="en-US"/>
+          </a:p>
+        </p:txBody>
+      </p:sp>
+      <p:pic>
+        <p:nvPicPr>
+          <p:cNvPr id="6" name="Picture 6" descr="Chart, bar chart&#10;&#10;Description automatically generated">
+            <a:extLst>
+              <a:ext uri="{FF2B5EF4-FFF2-40B4-BE49-F238E27FC236}">
+                <a16:creationId xmlns:a16="http://schemas.microsoft.com/office/drawing/2014/main" id="{B33E6CB5-2A97-4D07-93C1-F78EE1FCD457}"/>
+              </a:ext>
+            </a:extLst>
+          </p:cNvPr>
+          <p:cNvPicPr>
+            <a:picLocks noGrp="1" noChangeAspect="1"/>
+          </p:cNvPicPr>
+          <p:nvPr>
+            <p:ph idx="1"/>
+          </p:nvPr>
+        </p:nvPicPr>
+        <p:blipFill>
+          <a:blip r:embed="rId2"/>
+          <a:stretch>
+            <a:fillRect/>
+          </a:stretch>
+        </p:blipFill>
+        <p:spPr>
+          <a:xfrm>
+            <a:off x="1300335" y="57410"/>
+            <a:ext cx="9776043" cy="5451953"/>
+          </a:xfrm>
+        </p:spPr>
+      </p:pic>
+      <p:sp>
+        <p:nvSpPr>
+          <p:cNvPr id="4" name="Footer Placeholder 3">
+            <a:extLst>
+              <a:ext uri="{FF2B5EF4-FFF2-40B4-BE49-F238E27FC236}">
+                <a16:creationId xmlns:a16="http://schemas.microsoft.com/office/drawing/2014/main" id="{B8163B28-DA6C-4F19-BE83-4CF098690886}"/>
+              </a:ext>
+            </a:extLst>
+          </p:cNvPr>
+          <p:cNvSpPr>
+            <a:spLocks noGrp="1"/>
+          </p:cNvSpPr>
+          <p:nvPr>
+            <p:ph type="ftr" sz="quarter" idx="11"/>
+          </p:nvPr>
+        </p:nvSpPr>
+        <p:spPr/>
+        <p:txBody>
+          <a:bodyPr/>
+          <a:lstStyle/>
+          <a:p>
+            <a:r>
+              <a:rPr lang="en-US" dirty="0"/>
+              <a:t>Data Internship</a:t>
+            </a:r>
+          </a:p>
+        </p:txBody>
+      </p:sp>
+      <p:sp>
+        <p:nvSpPr>
+          <p:cNvPr id="5" name="Slide Number Placeholder 4">
+            <a:extLst>
+              <a:ext uri="{FF2B5EF4-FFF2-40B4-BE49-F238E27FC236}">
+                <a16:creationId xmlns:a16="http://schemas.microsoft.com/office/drawing/2014/main" id="{4F027468-E2C8-4ED6-B780-5BD01C4DCC0F}"/>
+              </a:ext>
+            </a:extLst>
+          </p:cNvPr>
+          <p:cNvSpPr>
+            <a:spLocks noGrp="1"/>
+          </p:cNvSpPr>
+          <p:nvPr>
+            <p:ph type="sldNum" sz="quarter" idx="12"/>
+          </p:nvPr>
+        </p:nvSpPr>
+        <p:spPr/>
+        <p:txBody>
+          <a:bodyPr/>
+          <a:lstStyle/>
+          <a:p>
+            <a:fld id="{D57F1E4F-1CFF-5643-939E-217C01CDF565}" type="slidenum">
+              <a:rPr lang="en-US" dirty="0"/>
+              <a:pPr/>
+              <a:t>29</a:t>
+            </a:fld>
+            <a:endParaRPr lang="en-US" dirty="0"/>
+          </a:p>
+        </p:txBody>
+      </p:sp>
+    </p:spTree>
+    <p:extLst>
+      <p:ext uri="{BB962C8B-B14F-4D97-AF65-F5344CB8AC3E}">
+        <p14:creationId xmlns:p14="http://schemas.microsoft.com/office/powerpoint/2010/main" val="4099769235"/>
+      </p:ext>
+    </p:extLst>
+  </p:cSld>
+  <p:clrMapOvr>
+    <a:masterClrMapping/>
+  </p:clrMapOvr>
+</p:sld>
+</file>
+
+<file path=ppt/slides/slide3.xml><?xml version="1.0" encoding="utf-8"?>
+<p:sld xmlns:a="http://schemas.openxmlformats.org/drawingml/2006/main" xmlns:r="http://schemas.openxmlformats.org/officeDocument/2006/relationships" xmlns:p="http://schemas.openxmlformats.org/presentationml/2006/main">
+  <p:cSld>
+    <p:bg>
+      <p:bgPr>
+        <a:gradFill rotWithShape="1">
+          <a:gsLst>
+            <a:gs pos="0">
+              <a:schemeClr val="bg2">
+                <a:tint val="90000"/>
+                <a:lumMod val="110000"/>
+              </a:schemeClr>
+            </a:gs>
+            <a:gs pos="100000">
+              <a:schemeClr val="bg2">
+                <a:shade val="64000"/>
+                <a:lumMod val="98000"/>
+              </a:schemeClr>
+            </a:gs>
+          </a:gsLst>
+          <a:lin ang="5400000" scaled="0"/>
+        </a:gradFill>
+        <a:effectLst/>
+      </p:bgPr>
+    </p:bg>
+    <p:spTree>
+      <p:nvGrpSpPr>
+        <p:cNvPr id="1" name=""/>
+        <p:cNvGrpSpPr/>
+        <p:nvPr/>
+      </p:nvGrpSpPr>
+      <p:grpSpPr>
+        <a:xfrm>
+          <a:off x="0" y="0"/>
+          <a:ext cx="0" cy="0"/>
+          <a:chOff x="0" y="0"/>
+          <a:chExt cx="0" cy="0"/>
+        </a:xfrm>
+      </p:grpSpPr>
+      <p:sp useBgFill="1">
+        <p:nvSpPr>
+          <p:cNvPr id="10" name="Rectangle 9">
+            <a:extLst>
+              <a:ext uri="{FF2B5EF4-FFF2-40B4-BE49-F238E27FC236}">
+                <a16:creationId xmlns:a16="http://schemas.microsoft.com/office/drawing/2014/main" id="{5690F3EE-0CD1-4520-B020-4E1DF3141C74}"/>
+              </a:ext>
+              <a:ext uri="{C183D7F6-B498-43B3-948B-1728B52AA6E4}">
+                <adec:decorative xmlns:adec="http://schemas.microsoft.com/office/drawing/2017/decorative" val="1"/>
+              </a:ext>
+            </a:extLst>
+          </p:cNvPr>
+          <p:cNvSpPr>
+            <a:spLocks noGrp="1" noRot="1" noChangeAspect="1" noMove="1" noResize="1" noEditPoints="1" noAdjustHandles="1" noChangeArrowheads="1" noChangeShapeType="1" noTextEdit="1"/>
+          </p:cNvSpPr>
+          <p:nvPr>
+            <p:extLst>
+              <p:ext uri="{386F3935-93C4-4BCD-93E2-E3B085C9AB24}">
+                <p16:designElem xmlns:p16="http://schemas.microsoft.com/office/powerpoint/2015/main" val="1"/>
+              </p:ext>
+            </p:extLst>
+          </p:nvPr>
+        </p:nvSpPr>
+        <p:spPr>
+          <a:xfrm>
+            <a:off x="0" y="-1"/>
+            <a:ext cx="12192000" cy="6858001"/>
+          </a:xfrm>
+          <a:prstGeom prst="rect">
+            <a:avLst/>
+          </a:prstGeom>
+          <a:ln>
+            <a:noFill/>
+          </a:ln>
+        </p:spPr>
+        <p:style>
+          <a:lnRef idx="2">
+            <a:schemeClr val="accent1">
+              <a:shade val="50000"/>
+            </a:schemeClr>
+          </a:lnRef>
+          <a:fillRef idx="1">
+            <a:schemeClr val="accent1"/>
+          </a:fillRef>
+          <a:effectRef idx="0">
+            <a:schemeClr val="accent1"/>
+          </a:effectRef>
+          <a:fontRef idx="minor">
+            <a:schemeClr val="lt1"/>
+          </a:fontRef>
+        </p:style>
+        <p:txBody>
+          <a:bodyPr rtlCol="0" anchor="ctr"/>
+          <a:lstStyle/>
+          <a:p>
+            <a:pPr algn="ctr"/>
+            <a:endParaRPr lang="en-US"/>
+          </a:p>
+        </p:txBody>
+      </p:sp>
+      <p:sp>
+        <p:nvSpPr>
+          <p:cNvPr id="12" name="Freeform: Shape 11">
+            <a:extLst>
+              <a:ext uri="{FF2B5EF4-FFF2-40B4-BE49-F238E27FC236}">
+                <a16:creationId xmlns:a16="http://schemas.microsoft.com/office/drawing/2014/main" id="{9EFDE1E9-7FE0-45CA-9DE2-237F77319A9F}"/>
+              </a:ext>
+              <a:ext uri="{C183D7F6-B498-43B3-948B-1728B52AA6E4}">
+                <adec:decorative xmlns:adec="http://schemas.microsoft.com/office/drawing/2017/decorative" val="1"/>
+              </a:ext>
+            </a:extLst>
+          </p:cNvPr>
+          <p:cNvSpPr>
+            <a:spLocks noGrp="1" noRot="1" noChangeAspect="1" noMove="1" noResize="1" noEditPoints="1" noAdjustHandles="1" noChangeArrowheads="1" noChangeShapeType="1" noTextEdit="1"/>
+          </p:cNvSpPr>
+          <p:nvPr>
+            <p:extLst>
+              <p:ext uri="{386F3935-93C4-4BCD-93E2-E3B085C9AB24}">
+                <p16:designElem xmlns:p16="http://schemas.microsoft.com/office/powerpoint/2015/main" val="1"/>
+              </p:ext>
+            </p:extLst>
+          </p:nvPr>
+        </p:nvSpPr>
+        <p:spPr>
+          <a:xfrm>
+            <a:off x="0" y="-1"/>
+            <a:ext cx="12192000" cy="2270840"/>
+          </a:xfrm>
+          <a:custGeom>
+            <a:avLst/>
+            <a:gdLst>
+              <a:gd name="connsiteX0" fmla="*/ 0 w 12192000"/>
+              <a:gd name="connsiteY0" fmla="*/ 0 h 2270840"/>
+              <a:gd name="connsiteX1" fmla="*/ 12192000 w 12192000"/>
+              <a:gd name="connsiteY1" fmla="*/ 0 h 2270840"/>
+              <a:gd name="connsiteX2" fmla="*/ 12192000 w 12192000"/>
+              <a:gd name="connsiteY2" fmla="*/ 519831 h 2270840"/>
+              <a:gd name="connsiteX3" fmla="*/ 12192000 w 12192000"/>
+              <a:gd name="connsiteY3" fmla="*/ 744794 h 2270840"/>
+              <a:gd name="connsiteX4" fmla="*/ 12192000 w 12192000"/>
+              <a:gd name="connsiteY4" fmla="*/ 1754022 h 2270840"/>
+              <a:gd name="connsiteX5" fmla="*/ 11957522 w 12192000"/>
+              <a:gd name="connsiteY5" fmla="*/ 1797924 h 2270840"/>
+              <a:gd name="connsiteX6" fmla="*/ 11679973 w 12192000"/>
+              <a:gd name="connsiteY6" fmla="*/ 1847668 h 2270840"/>
+              <a:gd name="connsiteX7" fmla="*/ 11401197 w 12192000"/>
+              <a:gd name="connsiteY7" fmla="*/ 1896361 h 2270840"/>
+              <a:gd name="connsiteX8" fmla="*/ 11121192 w 12192000"/>
+              <a:gd name="connsiteY8" fmla="*/ 1938047 h 2270840"/>
+              <a:gd name="connsiteX9" fmla="*/ 10842416 w 12192000"/>
+              <a:gd name="connsiteY9" fmla="*/ 1980084 h 2270840"/>
+              <a:gd name="connsiteX10" fmla="*/ 10562411 w 12192000"/>
+              <a:gd name="connsiteY10" fmla="*/ 2019319 h 2270840"/>
+              <a:gd name="connsiteX11" fmla="*/ 10286091 w 12192000"/>
+              <a:gd name="connsiteY11" fmla="*/ 2052948 h 2270840"/>
+              <a:gd name="connsiteX12" fmla="*/ 10006086 w 12192000"/>
+              <a:gd name="connsiteY12" fmla="*/ 2084826 h 2270840"/>
+              <a:gd name="connsiteX13" fmla="*/ 9727310 w 12192000"/>
+              <a:gd name="connsiteY13" fmla="*/ 2113902 h 2270840"/>
+              <a:gd name="connsiteX14" fmla="*/ 9453445 w 12192000"/>
+              <a:gd name="connsiteY14" fmla="*/ 2139124 h 2270840"/>
+              <a:gd name="connsiteX15" fmla="*/ 9175897 w 12192000"/>
+              <a:gd name="connsiteY15" fmla="*/ 2164346 h 2270840"/>
+              <a:gd name="connsiteX16" fmla="*/ 8902033 w 12192000"/>
+              <a:gd name="connsiteY16" fmla="*/ 2185365 h 2270840"/>
+              <a:gd name="connsiteX17" fmla="*/ 8628169 w 12192000"/>
+              <a:gd name="connsiteY17" fmla="*/ 2201829 h 2270840"/>
+              <a:gd name="connsiteX18" fmla="*/ 8355533 w 12192000"/>
+              <a:gd name="connsiteY18" fmla="*/ 2218995 h 2270840"/>
+              <a:gd name="connsiteX19" fmla="*/ 8085353 w 12192000"/>
+              <a:gd name="connsiteY19" fmla="*/ 2233357 h 2270840"/>
+              <a:gd name="connsiteX20" fmla="*/ 7817629 w 12192000"/>
+              <a:gd name="connsiteY20" fmla="*/ 2243516 h 2270840"/>
+              <a:gd name="connsiteX21" fmla="*/ 7549905 w 12192000"/>
+              <a:gd name="connsiteY21" fmla="*/ 2252274 h 2270840"/>
+              <a:gd name="connsiteX22" fmla="*/ 7284638 w 12192000"/>
+              <a:gd name="connsiteY22" fmla="*/ 2260681 h 2270840"/>
+              <a:gd name="connsiteX23" fmla="*/ 7023055 w 12192000"/>
+              <a:gd name="connsiteY23" fmla="*/ 2264535 h 2270840"/>
+              <a:gd name="connsiteX24" fmla="*/ 6761472 w 12192000"/>
+              <a:gd name="connsiteY24" fmla="*/ 2268738 h 2270840"/>
+              <a:gd name="connsiteX25" fmla="*/ 6503573 w 12192000"/>
+              <a:gd name="connsiteY25" fmla="*/ 2270840 h 2270840"/>
+              <a:gd name="connsiteX26" fmla="*/ 6248130 w 12192000"/>
+              <a:gd name="connsiteY26" fmla="*/ 2268738 h 2270840"/>
+              <a:gd name="connsiteX27" fmla="*/ 5995144 w 12192000"/>
+              <a:gd name="connsiteY27" fmla="*/ 2268738 h 2270840"/>
+              <a:gd name="connsiteX28" fmla="*/ 5744613 w 12192000"/>
+              <a:gd name="connsiteY28" fmla="*/ 2264535 h 2270840"/>
+              <a:gd name="connsiteX29" fmla="*/ 5498995 w 12192000"/>
+              <a:gd name="connsiteY29" fmla="*/ 2258229 h 2270840"/>
+              <a:gd name="connsiteX30" fmla="*/ 5255834 w 12192000"/>
+              <a:gd name="connsiteY30" fmla="*/ 2252274 h 2270840"/>
+              <a:gd name="connsiteX31" fmla="*/ 5017584 w 12192000"/>
+              <a:gd name="connsiteY31" fmla="*/ 2245618 h 2270840"/>
+              <a:gd name="connsiteX32" fmla="*/ 4780562 w 12192000"/>
+              <a:gd name="connsiteY32" fmla="*/ 2235459 h 2270840"/>
+              <a:gd name="connsiteX33" fmla="*/ 4547227 w 12192000"/>
+              <a:gd name="connsiteY33" fmla="*/ 2224599 h 2270840"/>
+              <a:gd name="connsiteX34" fmla="*/ 4318800 w 12192000"/>
+              <a:gd name="connsiteY34" fmla="*/ 2214791 h 2270840"/>
+              <a:gd name="connsiteX35" fmla="*/ 3873004 w 12192000"/>
+              <a:gd name="connsiteY35" fmla="*/ 2187116 h 2270840"/>
+              <a:gd name="connsiteX36" fmla="*/ 3445628 w 12192000"/>
+              <a:gd name="connsiteY36" fmla="*/ 2157691 h 2270840"/>
+              <a:gd name="connsiteX37" fmla="*/ 3035446 w 12192000"/>
+              <a:gd name="connsiteY37" fmla="*/ 2126863 h 2270840"/>
+              <a:gd name="connsiteX38" fmla="*/ 2647370 w 12192000"/>
+              <a:gd name="connsiteY38" fmla="*/ 2092884 h 2270840"/>
+              <a:gd name="connsiteX39" fmla="*/ 2276487 w 12192000"/>
+              <a:gd name="connsiteY39" fmla="*/ 2057502 h 2270840"/>
+              <a:gd name="connsiteX40" fmla="*/ 1932621 w 12192000"/>
+              <a:gd name="connsiteY40" fmla="*/ 2019319 h 2270840"/>
+              <a:gd name="connsiteX41" fmla="*/ 1609634 w 12192000"/>
+              <a:gd name="connsiteY41" fmla="*/ 1981836 h 2270840"/>
+              <a:gd name="connsiteX42" fmla="*/ 1312435 w 12192000"/>
+              <a:gd name="connsiteY42" fmla="*/ 1944353 h 2270840"/>
+              <a:gd name="connsiteX43" fmla="*/ 1039799 w 12192000"/>
+              <a:gd name="connsiteY43" fmla="*/ 1908972 h 2270840"/>
+              <a:gd name="connsiteX44" fmla="*/ 797865 w 12192000"/>
+              <a:gd name="connsiteY44" fmla="*/ 1875342 h 2270840"/>
+              <a:gd name="connsiteX45" fmla="*/ 579265 w 12192000"/>
+              <a:gd name="connsiteY45" fmla="*/ 1843464 h 2270840"/>
+              <a:gd name="connsiteX46" fmla="*/ 395052 w 12192000"/>
+              <a:gd name="connsiteY46" fmla="*/ 1816841 h 2270840"/>
+              <a:gd name="connsiteX47" fmla="*/ 240312 w 12192000"/>
+              <a:gd name="connsiteY47" fmla="*/ 1791618 h 2270840"/>
+              <a:gd name="connsiteX48" fmla="*/ 27853 w 12192000"/>
+              <a:gd name="connsiteY48" fmla="*/ 1755537 h 2270840"/>
+              <a:gd name="connsiteX49" fmla="*/ 0 w 12192000"/>
+              <a:gd name="connsiteY49" fmla="*/ 1750824 h 2270840"/>
+              <a:gd name="connsiteX50" fmla="*/ 0 w 12192000"/>
+              <a:gd name="connsiteY50" fmla="*/ 744794 h 2270840"/>
+              <a:gd name="connsiteX51" fmla="*/ 0 w 12192000"/>
+              <a:gd name="connsiteY51" fmla="*/ 519831 h 2270840"/>
+            </a:gdLst>
+            <a:ahLst/>
+            <a:cxnLst>
+              <a:cxn ang="0">
+                <a:pos x="connsiteX0" y="connsiteY0"/>
+              </a:cxn>
+              <a:cxn ang="0">
+                <a:pos x="connsiteX1" y="connsiteY1"/>
+              </a:cxn>
+              <a:cxn ang="0">
+                <a:pos x="connsiteX2" y="connsiteY2"/>
+              </a:cxn>
+              <a:cxn ang="0">
+                <a:pos x="connsiteX3" y="connsiteY3"/>
+              </a:cxn>
+              <a:cxn ang="0">
+                <a:pos x="connsiteX4" y="connsiteY4"/>
+              </a:cxn>
+              <a:cxn ang="0">
+                <a:pos x="connsiteX5" y="connsiteY5"/>
+              </a:cxn>
+              <a:cxn ang="0">
+                <a:pos x="connsiteX6" y="connsiteY6"/>
+              </a:cxn>
+              <a:cxn ang="0">
+                <a:pos x="connsiteX7" y="connsiteY7"/>
+              </a:cxn>
+              <a:cxn ang="0">
+                <a:pos x="connsiteX8" y="connsiteY8"/>
+              </a:cxn>
+              <a:cxn ang="0">
+                <a:pos x="connsiteX9" y="connsiteY9"/>
+              </a:cxn>
+              <a:cxn ang="0">
+                <a:pos x="connsiteX10" y="connsiteY10"/>
+              </a:cxn>
+              <a:cxn ang="0">
+                <a:pos x="connsiteX11" y="connsiteY11"/>
+              </a:cxn>
+              <a:cxn ang="0">
+                <a:pos x="connsiteX12" y="connsiteY12"/>
+              </a:cxn>
+              <a:cxn ang="0">
+                <a:pos x="connsiteX13" y="connsiteY13"/>
+              </a:cxn>
+              <a:cxn ang="0">
+                <a:pos x="connsiteX14" y="connsiteY14"/>
+              </a:cxn>
+              <a:cxn ang="0">
+                <a:pos x="connsiteX15" y="connsiteY15"/>
+              </a:cxn>
+              <a:cxn ang="0">
+                <a:pos x="connsiteX16" y="connsiteY16"/>
+              </a:cxn>
+              <a:cxn ang="0">
+                <a:pos x="connsiteX17" y="connsiteY17"/>
+              </a:cxn>
+              <a:cxn ang="0">
+                <a:pos x="connsiteX18" y="connsiteY18"/>
+              </a:cxn>
+              <a:cxn ang="0">
+                <a:pos x="connsiteX19" y="connsiteY19"/>
+              </a:cxn>
+              <a:cxn ang="0">
+                <a:pos x="connsiteX20" y="connsiteY20"/>
+              </a:cxn>
+              <a:cxn ang="0">
+                <a:pos x="connsiteX21" y="connsiteY21"/>
+              </a:cxn>
+              <a:cxn ang="0">
+                <a:pos x="connsiteX22" y="connsiteY22"/>
+              </a:cxn>
+              <a:cxn ang="0">
+                <a:pos x="connsiteX23" y="connsiteY23"/>
+              </a:cxn>
+              <a:cxn ang="0">
+                <a:pos x="connsiteX24" y="connsiteY24"/>
+              </a:cxn>
+              <a:cxn ang="0">
+                <a:pos x="connsiteX25" y="connsiteY25"/>
+              </a:cxn>
+              <a:cxn ang="0">
+                <a:pos x="connsiteX26" y="connsiteY26"/>
+              </a:cxn>
+              <a:cxn ang="0">
+                <a:pos x="connsiteX27" y="connsiteY27"/>
+              </a:cxn>
+              <a:cxn ang="0">
+                <a:pos x="connsiteX28" y="connsiteY28"/>
+              </a:cxn>
+              <a:cxn ang="0">
+                <a:pos x="connsiteX29" y="connsiteY29"/>
+              </a:cxn>
+              <a:cxn ang="0">
+                <a:pos x="connsiteX30" y="connsiteY30"/>
+              </a:cxn>
+              <a:cxn ang="0">
+                <a:pos x="connsiteX31" y="connsiteY31"/>
+              </a:cxn>
+              <a:cxn ang="0">
+                <a:pos x="connsiteX32" y="connsiteY32"/>
+              </a:cxn>
+              <a:cxn ang="0">
+                <a:pos x="connsiteX33" y="connsiteY33"/>
+              </a:cxn>
+              <a:cxn ang="0">
+                <a:pos x="connsiteX34" y="connsiteY34"/>
+              </a:cxn>
+              <a:cxn ang="0">
+                <a:pos x="connsiteX35" y="connsiteY35"/>
+              </a:cxn>
+              <a:cxn ang="0">
+                <a:pos x="connsiteX36" y="connsiteY36"/>
+              </a:cxn>
+              <a:cxn ang="0">
+                <a:pos x="connsiteX37" y="connsiteY37"/>
+              </a:cxn>
+              <a:cxn ang="0">
+                <a:pos x="connsiteX38" y="connsiteY38"/>
+              </a:cxn>
+              <a:cxn ang="0">
+                <a:pos x="connsiteX39" y="connsiteY39"/>
+              </a:cxn>
+              <a:cxn ang="0">
+                <a:pos x="connsiteX40" y="connsiteY40"/>
+              </a:cxn>
+              <a:cxn ang="0">
+                <a:pos x="connsiteX41" y="connsiteY41"/>
+              </a:cxn>
+              <a:cxn ang="0">
+                <a:pos x="connsiteX42" y="connsiteY42"/>
+              </a:cxn>
+              <a:cxn ang="0">
+                <a:pos x="connsiteX43" y="connsiteY43"/>
+              </a:cxn>
+              <a:cxn ang="0">
+                <a:pos x="connsiteX44" y="connsiteY44"/>
+              </a:cxn>
+              <a:cxn ang="0">
+                <a:pos x="connsiteX45" y="connsiteY45"/>
+              </a:cxn>
+              <a:cxn ang="0">
+                <a:pos x="connsiteX46" y="connsiteY46"/>
+              </a:cxn>
+              <a:cxn ang="0">
+                <a:pos x="connsiteX47" y="connsiteY47"/>
+              </a:cxn>
+              <a:cxn ang="0">
+                <a:pos x="connsiteX48" y="connsiteY48"/>
+              </a:cxn>
+              <a:cxn ang="0">
+                <a:pos x="connsiteX49" y="connsiteY49"/>
+              </a:cxn>
+              <a:cxn ang="0">
+                <a:pos x="connsiteX50" y="connsiteY50"/>
+              </a:cxn>
+              <a:cxn ang="0">
+                <a:pos x="connsiteX51" y="connsiteY51"/>
+              </a:cxn>
+            </a:cxnLst>
+            <a:rect l="l" t="t" r="r" b="b"/>
+            <a:pathLst>
+              <a:path w="12192000" h="2270840">
+                <a:moveTo>
+                  <a:pt x="0" y="0"/>
+                </a:moveTo>
+                <a:lnTo>
+                  <a:pt x="12192000" y="0"/>
+                </a:lnTo>
+                <a:lnTo>
+                  <a:pt x="12192000" y="519831"/>
+                </a:lnTo>
+                <a:lnTo>
+                  <a:pt x="12192000" y="744794"/>
+                </a:lnTo>
+                <a:lnTo>
+                  <a:pt x="12192000" y="1754022"/>
+                </a:lnTo>
+                <a:lnTo>
+                  <a:pt x="11957522" y="1797924"/>
+                </a:lnTo>
+                <a:lnTo>
+                  <a:pt x="11679973" y="1847668"/>
+                </a:lnTo>
+                <a:lnTo>
+                  <a:pt x="11401197" y="1896361"/>
+                </a:lnTo>
+                <a:lnTo>
+                  <a:pt x="11121192" y="1938047"/>
+                </a:lnTo>
+                <a:lnTo>
+                  <a:pt x="10842416" y="1980084"/>
+                </a:lnTo>
+                <a:lnTo>
+                  <a:pt x="10562411" y="2019319"/>
+                </a:lnTo>
+                <a:lnTo>
+                  <a:pt x="10286091" y="2052948"/>
+                </a:lnTo>
+                <a:lnTo>
+                  <a:pt x="10006086" y="2084826"/>
+                </a:lnTo>
+                <a:lnTo>
+                  <a:pt x="9727310" y="2113902"/>
+                </a:lnTo>
+                <a:lnTo>
+                  <a:pt x="9453445" y="2139124"/>
+                </a:lnTo>
+                <a:lnTo>
+                  <a:pt x="9175897" y="2164346"/>
+                </a:lnTo>
+                <a:lnTo>
+                  <a:pt x="8902033" y="2185365"/>
+                </a:lnTo>
+                <a:lnTo>
+                  <a:pt x="8628169" y="2201829"/>
+                </a:lnTo>
+                <a:lnTo>
+                  <a:pt x="8355533" y="2218995"/>
+                </a:lnTo>
+                <a:lnTo>
+                  <a:pt x="8085353" y="2233357"/>
+                </a:lnTo>
+                <a:lnTo>
+                  <a:pt x="7817629" y="2243516"/>
+                </a:lnTo>
+                <a:lnTo>
+                  <a:pt x="7549905" y="2252274"/>
+                </a:lnTo>
+                <a:lnTo>
+                  <a:pt x="7284638" y="2260681"/>
+                </a:lnTo>
+                <a:lnTo>
+                  <a:pt x="7023055" y="2264535"/>
+                </a:lnTo>
+                <a:lnTo>
+                  <a:pt x="6761472" y="2268738"/>
+                </a:lnTo>
+                <a:lnTo>
+                  <a:pt x="6503573" y="2270840"/>
+                </a:lnTo>
+                <a:lnTo>
+                  <a:pt x="6248130" y="2268738"/>
+                </a:lnTo>
+                <a:lnTo>
+                  <a:pt x="5995144" y="2268738"/>
+                </a:lnTo>
+                <a:lnTo>
+                  <a:pt x="5744613" y="2264535"/>
+                </a:lnTo>
+                <a:lnTo>
+                  <a:pt x="5498995" y="2258229"/>
+                </a:lnTo>
+                <a:lnTo>
+                  <a:pt x="5255834" y="2252274"/>
+                </a:lnTo>
+                <a:lnTo>
+                  <a:pt x="5017584" y="2245618"/>
+                </a:lnTo>
+                <a:lnTo>
+                  <a:pt x="4780562" y="2235459"/>
+                </a:lnTo>
+                <a:lnTo>
+                  <a:pt x="4547227" y="2224599"/>
+                </a:lnTo>
+                <a:lnTo>
+                  <a:pt x="4318800" y="2214791"/>
+                </a:lnTo>
+                <a:lnTo>
+                  <a:pt x="3873004" y="2187116"/>
+                </a:lnTo>
+                <a:lnTo>
+                  <a:pt x="3445628" y="2157691"/>
+                </a:lnTo>
+                <a:lnTo>
+                  <a:pt x="3035446" y="2126863"/>
+                </a:lnTo>
+                <a:lnTo>
+                  <a:pt x="2647370" y="2092884"/>
+                </a:lnTo>
+                <a:lnTo>
+                  <a:pt x="2276487" y="2057502"/>
+                </a:lnTo>
+                <a:lnTo>
+                  <a:pt x="1932621" y="2019319"/>
+                </a:lnTo>
+                <a:lnTo>
+                  <a:pt x="1609634" y="1981836"/>
+                </a:lnTo>
+                <a:lnTo>
+                  <a:pt x="1312435" y="1944353"/>
+                </a:lnTo>
+                <a:lnTo>
+                  <a:pt x="1039799" y="1908972"/>
+                </a:lnTo>
+                <a:lnTo>
+                  <a:pt x="797865" y="1875342"/>
+                </a:lnTo>
+                <a:lnTo>
+                  <a:pt x="579265" y="1843464"/>
+                </a:lnTo>
+                <a:lnTo>
+                  <a:pt x="395052" y="1816841"/>
+                </a:lnTo>
+                <a:lnTo>
+                  <a:pt x="240312" y="1791618"/>
+                </a:lnTo>
+                <a:lnTo>
+                  <a:pt x="27853" y="1755537"/>
+                </a:lnTo>
+                <a:lnTo>
+                  <a:pt x="0" y="1750824"/>
+                </a:lnTo>
+                <a:lnTo>
+                  <a:pt x="0" y="744794"/>
+                </a:lnTo>
+                <a:lnTo>
+                  <a:pt x="0" y="519831"/>
+                </a:lnTo>
+                <a:close/>
+              </a:path>
+            </a:pathLst>
+          </a:custGeom>
+          <a:ln w="44450">
+            <a:gradFill>
+              <a:gsLst>
+                <a:gs pos="0">
+                  <a:schemeClr val="bg2">
+                    <a:alpha val="65000"/>
+                  </a:schemeClr>
+                </a:gs>
+                <a:gs pos="98000">
+                  <a:schemeClr val="bg2">
+                    <a:lumMod val="75000"/>
+                    <a:alpha val="55000"/>
+                  </a:schemeClr>
+                </a:gs>
+              </a:gsLst>
+              <a:lin ang="5400000" scaled="1"/>
+            </a:gradFill>
+          </a:ln>
+          <a:effectLst>
+            <a:outerShdw blurRad="50800" dist="38100" dir="5400000" algn="t" rotWithShape="0">
+              <a:prstClr val="black">
+                <a:alpha val="50000"/>
+              </a:prstClr>
+            </a:outerShdw>
+          </a:effectLst>
+        </p:spPr>
+        <p:style>
+          <a:lnRef idx="2">
+            <a:schemeClr val="accent1">
+              <a:shade val="50000"/>
+            </a:schemeClr>
+          </a:lnRef>
+          <a:fillRef idx="1003">
+            <a:schemeClr val="dk1"/>
+          </a:fillRef>
+          <a:effectRef idx="0">
+            <a:schemeClr val="accent1"/>
+          </a:effectRef>
+          <a:fontRef idx="minor">
+            <a:schemeClr val="lt1"/>
+          </a:fontRef>
+        </p:style>
+        <p:txBody>
+          <a:bodyPr wrap="square" rtlCol="0" anchor="ctr">
+            <a:noAutofit/>
+          </a:bodyPr>
+          <a:lstStyle/>
+          <a:p>
+            <a:pPr algn="ctr"/>
+            <a:endParaRPr lang="en-US"/>
+          </a:p>
+        </p:txBody>
+      </p:sp>
+      <p:sp>
+        <p:nvSpPr>
+          <p:cNvPr id="2" name="Title 1">
+            <a:extLst>
+              <a:ext uri="{FF2B5EF4-FFF2-40B4-BE49-F238E27FC236}">
                 <a16:creationId xmlns:a16="http://schemas.microsoft.com/office/drawing/2014/main" id="{DD051A66-C2F9-4342-A725-2771BEB65369}"/>
               </a:ext>
             </a:extLst>
@@ -12257,6 +14404,357 @@
   </p:cSld>
   <p:clrMapOvr>
     <a:overrideClrMapping bg1="lt1" tx1="dk1" bg2="lt2" tx2="dk2" accent1="accent1" accent2="accent2" accent3="accent3" accent4="accent4" accent5="accent5" accent6="accent6" hlink="hlink" folHlink="folHlink"/>
+  </p:clrMapOvr>
+</p:sld>
+</file>
+
+<file path=ppt/slides/slide30.xml><?xml version="1.0" encoding="utf-8"?>
+<p:sld xmlns:a="http://schemas.openxmlformats.org/drawingml/2006/main" xmlns:r="http://schemas.openxmlformats.org/officeDocument/2006/relationships" xmlns:p="http://schemas.openxmlformats.org/presentationml/2006/main">
+  <p:cSld>
+    <p:spTree>
+      <p:nvGrpSpPr>
+        <p:cNvPr id="1" name=""/>
+        <p:cNvGrpSpPr/>
+        <p:nvPr/>
+      </p:nvGrpSpPr>
+      <p:grpSpPr>
+        <a:xfrm>
+          <a:off x="0" y="0"/>
+          <a:ext cx="0" cy="0"/>
+          <a:chOff x="0" y="0"/>
+          <a:chExt cx="0" cy="0"/>
+        </a:xfrm>
+      </p:grpSpPr>
+      <p:sp>
+        <p:nvSpPr>
+          <p:cNvPr id="2" name="Title 1">
+            <a:extLst>
+              <a:ext uri="{FF2B5EF4-FFF2-40B4-BE49-F238E27FC236}">
+                <a16:creationId xmlns:a16="http://schemas.microsoft.com/office/drawing/2014/main" id="{BC8DDBFC-D208-4670-B95E-DE5DDA11727D}"/>
+              </a:ext>
+            </a:extLst>
+          </p:cNvPr>
+          <p:cNvSpPr>
+            <a:spLocks noGrp="1"/>
+          </p:cNvSpPr>
+          <p:nvPr>
+            <p:ph type="title"/>
+          </p:nvPr>
+        </p:nvSpPr>
+        <p:spPr>
+          <a:xfrm>
+            <a:off x="2143496" y="5296422"/>
+            <a:ext cx="9905998" cy="1905000"/>
+          </a:xfrm>
+        </p:spPr>
+        <p:txBody>
+          <a:bodyPr/>
+          <a:lstStyle/>
+          <a:p>
+            <a:r>
+              <a:rPr lang="en-US" dirty="0">
+                <a:effectLst>
+                  <a:glow rad="38100">
+                    <a:prstClr val="black">
+                      <a:lumMod val="65000"/>
+                      <a:lumOff val="35000"/>
+                      <a:alpha val="40000"/>
+                    </a:prstClr>
+                  </a:glow>
+                  <a:outerShdw blurRad="28575" dist="38100" dir="14040000" algn="tl" rotWithShape="0">
+                    <a:srgbClr val="000000">
+                      <a:alpha val="25000"/>
+                    </a:srgbClr>
+                  </a:outerShdw>
+                </a:effectLst>
+              </a:rPr>
+              <a:t>Breakdown by race, sex w/ % of grand </a:t>
+            </a:r>
+            <a:r>
+              <a:rPr lang="en-US">
+                <a:effectLst>
+                  <a:glow rad="38100">
+                    <a:prstClr val="black">
+                      <a:lumMod val="65000"/>
+                      <a:lumOff val="35000"/>
+                      <a:alpha val="40000"/>
+                    </a:prstClr>
+                  </a:glow>
+                  <a:outerShdw blurRad="28575" dist="38100" dir="14040000" algn="tl" rotWithShape="0">
+                    <a:srgbClr val="000000">
+                      <a:alpha val="25000"/>
+                    </a:srgbClr>
+                  </a:outerShdw>
+                </a:effectLst>
+              </a:rPr>
+              <a:t>total – using measures + total types of laws applied and crimes committed</a:t>
+            </a:r>
+            <a:endParaRPr lang="en-US"/>
+          </a:p>
+        </p:txBody>
+      </p:sp>
+      <p:pic>
+        <p:nvPicPr>
+          <p:cNvPr id="6" name="Picture 6" descr="Chart, treemap chart&#10;&#10;Description automatically generated">
+            <a:extLst>
+              <a:ext uri="{FF2B5EF4-FFF2-40B4-BE49-F238E27FC236}">
+                <a16:creationId xmlns:a16="http://schemas.microsoft.com/office/drawing/2014/main" id="{31BED0DA-CA91-4064-9277-EF73A5B7C639}"/>
+              </a:ext>
+            </a:extLst>
+          </p:cNvPr>
+          <p:cNvPicPr>
+            <a:picLocks noGrp="1" noChangeAspect="1"/>
+          </p:cNvPicPr>
+          <p:nvPr>
+            <p:ph idx="1"/>
+          </p:nvPr>
+        </p:nvPicPr>
+        <p:blipFill>
+          <a:blip r:embed="rId2"/>
+          <a:stretch>
+            <a:fillRect/>
+          </a:stretch>
+        </p:blipFill>
+        <p:spPr>
+          <a:xfrm>
+            <a:off x="879609" y="-109604"/>
+            <a:ext cx="10189521" cy="5692036"/>
+          </a:xfrm>
+        </p:spPr>
+      </p:pic>
+      <p:sp>
+        <p:nvSpPr>
+          <p:cNvPr id="4" name="Footer Placeholder 3">
+            <a:extLst>
+              <a:ext uri="{FF2B5EF4-FFF2-40B4-BE49-F238E27FC236}">
+                <a16:creationId xmlns:a16="http://schemas.microsoft.com/office/drawing/2014/main" id="{51BE6143-BCD9-488E-A686-F4A23538E55E}"/>
+              </a:ext>
+            </a:extLst>
+          </p:cNvPr>
+          <p:cNvSpPr>
+            <a:spLocks noGrp="1"/>
+          </p:cNvSpPr>
+          <p:nvPr>
+            <p:ph type="ftr" sz="quarter" idx="11"/>
+          </p:nvPr>
+        </p:nvSpPr>
+        <p:spPr/>
+        <p:txBody>
+          <a:bodyPr/>
+          <a:lstStyle/>
+          <a:p>
+            <a:r>
+              <a:rPr lang="en-US" dirty="0"/>
+              <a:t>Data Internship</a:t>
+            </a:r>
+          </a:p>
+        </p:txBody>
+      </p:sp>
+      <p:sp>
+        <p:nvSpPr>
+          <p:cNvPr id="5" name="Slide Number Placeholder 4">
+            <a:extLst>
+              <a:ext uri="{FF2B5EF4-FFF2-40B4-BE49-F238E27FC236}">
+                <a16:creationId xmlns:a16="http://schemas.microsoft.com/office/drawing/2014/main" id="{95037630-11D9-40DB-AD9C-17618C198439}"/>
+              </a:ext>
+            </a:extLst>
+          </p:cNvPr>
+          <p:cNvSpPr>
+            <a:spLocks noGrp="1"/>
+          </p:cNvSpPr>
+          <p:nvPr>
+            <p:ph type="sldNum" sz="quarter" idx="12"/>
+          </p:nvPr>
+        </p:nvSpPr>
+        <p:spPr/>
+        <p:txBody>
+          <a:bodyPr/>
+          <a:lstStyle/>
+          <a:p>
+            <a:fld id="{D57F1E4F-1CFF-5643-939E-217C01CDF565}" type="slidenum">
+              <a:rPr lang="en-US" dirty="0"/>
+              <a:pPr/>
+              <a:t>30</a:t>
+            </a:fld>
+            <a:endParaRPr lang="en-US" dirty="0"/>
+          </a:p>
+        </p:txBody>
+      </p:sp>
+    </p:spTree>
+    <p:extLst>
+      <p:ext uri="{BB962C8B-B14F-4D97-AF65-F5344CB8AC3E}">
+        <p14:creationId xmlns:p14="http://schemas.microsoft.com/office/powerpoint/2010/main" val="1802601491"/>
+      </p:ext>
+    </p:extLst>
+  </p:cSld>
+  <p:clrMapOvr>
+    <a:masterClrMapping/>
+  </p:clrMapOvr>
+</p:sld>
+</file>
+
+<file path=ppt/slides/slide31.xml><?xml version="1.0" encoding="utf-8"?>
+<p:sld xmlns:a="http://schemas.openxmlformats.org/drawingml/2006/main" xmlns:r="http://schemas.openxmlformats.org/officeDocument/2006/relationships" xmlns:p="http://schemas.openxmlformats.org/presentationml/2006/main">
+  <p:cSld>
+    <p:spTree>
+      <p:nvGrpSpPr>
+        <p:cNvPr id="1" name=""/>
+        <p:cNvGrpSpPr/>
+        <p:nvPr/>
+      </p:nvGrpSpPr>
+      <p:grpSpPr>
+        <a:xfrm>
+          <a:off x="0" y="0"/>
+          <a:ext cx="0" cy="0"/>
+          <a:chOff x="0" y="0"/>
+          <a:chExt cx="0" cy="0"/>
+        </a:xfrm>
+      </p:grpSpPr>
+      <p:sp>
+        <p:nvSpPr>
+          <p:cNvPr id="2" name="Title 1">
+            <a:extLst>
+              <a:ext uri="{FF2B5EF4-FFF2-40B4-BE49-F238E27FC236}">
+                <a16:creationId xmlns:a16="http://schemas.microsoft.com/office/drawing/2014/main" id="{9DD65855-C3D7-44F1-A463-F72DF031A8E4}"/>
+              </a:ext>
+            </a:extLst>
+          </p:cNvPr>
+          <p:cNvSpPr>
+            <a:spLocks noGrp="1"/>
+          </p:cNvSpPr>
+          <p:nvPr>
+            <p:ph type="title"/>
+          </p:nvPr>
+        </p:nvSpPr>
+        <p:spPr>
+          <a:xfrm>
+            <a:off x="2153934" y="5233792"/>
+            <a:ext cx="9905998" cy="1905000"/>
+          </a:xfrm>
+        </p:spPr>
+        <p:txBody>
+          <a:bodyPr/>
+          <a:lstStyle/>
+          <a:p>
+            <a:r>
+              <a:rPr lang="en-US">
+                <a:effectLst>
+                  <a:glow rad="38100">
+                    <a:prstClr val="black">
+                      <a:lumMod val="65000"/>
+                      <a:lumOff val="35000"/>
+                      <a:alpha val="40000"/>
+                    </a:prstClr>
+                  </a:glow>
+                  <a:outerShdw blurRad="28575" dist="38100" dir="14040000" algn="tl" rotWithShape="0">
+                    <a:srgbClr val="000000">
+                      <a:alpha val="25000"/>
+                    </a:srgbClr>
+                  </a:outerShdw>
+                </a:effectLst>
+              </a:rPr>
+              <a:t>Most arrests are on tuesday, wednesday and thursday</a:t>
+            </a:r>
+            <a:endParaRPr lang="en-US"/>
+          </a:p>
+        </p:txBody>
+      </p:sp>
+      <p:pic>
+        <p:nvPicPr>
+          <p:cNvPr id="6" name="Picture 6">
+            <a:extLst>
+              <a:ext uri="{FF2B5EF4-FFF2-40B4-BE49-F238E27FC236}">
+                <a16:creationId xmlns:a16="http://schemas.microsoft.com/office/drawing/2014/main" id="{58D7DF6D-8279-4A25-A548-C8F2F0863901}"/>
+              </a:ext>
+            </a:extLst>
+          </p:cNvPr>
+          <p:cNvPicPr>
+            <a:picLocks noGrp="1" noChangeAspect="1"/>
+          </p:cNvPicPr>
+          <p:nvPr>
+            <p:ph idx="1"/>
+          </p:nvPr>
+        </p:nvPicPr>
+        <p:blipFill>
+          <a:blip r:embed="rId2"/>
+          <a:stretch>
+            <a:fillRect/>
+          </a:stretch>
+        </p:blipFill>
+        <p:spPr>
+          <a:xfrm>
+            <a:off x="1211528" y="5219"/>
+            <a:ext cx="9765769" cy="5420639"/>
+          </a:xfrm>
+        </p:spPr>
+      </p:pic>
+      <p:sp>
+        <p:nvSpPr>
+          <p:cNvPr id="4" name="Footer Placeholder 3">
+            <a:extLst>
+              <a:ext uri="{FF2B5EF4-FFF2-40B4-BE49-F238E27FC236}">
+                <a16:creationId xmlns:a16="http://schemas.microsoft.com/office/drawing/2014/main" id="{4A2933E1-AF79-40AA-96D2-7F297B375407}"/>
+              </a:ext>
+            </a:extLst>
+          </p:cNvPr>
+          <p:cNvSpPr>
+            <a:spLocks noGrp="1"/>
+          </p:cNvSpPr>
+          <p:nvPr>
+            <p:ph type="ftr" sz="quarter" idx="11"/>
+          </p:nvPr>
+        </p:nvSpPr>
+        <p:spPr/>
+        <p:txBody>
+          <a:bodyPr/>
+          <a:lstStyle/>
+          <a:p>
+            <a:r>
+              <a:rPr lang="en-US" dirty="0"/>
+              <a:t>Data Internship</a:t>
+            </a:r>
+          </a:p>
+        </p:txBody>
+      </p:sp>
+      <p:sp>
+        <p:nvSpPr>
+          <p:cNvPr id="5" name="Slide Number Placeholder 4">
+            <a:extLst>
+              <a:ext uri="{FF2B5EF4-FFF2-40B4-BE49-F238E27FC236}">
+                <a16:creationId xmlns:a16="http://schemas.microsoft.com/office/drawing/2014/main" id="{9E1E22EC-B220-49B3-8A74-5B01B11CEEF5}"/>
+              </a:ext>
+            </a:extLst>
+          </p:cNvPr>
+          <p:cNvSpPr>
+            <a:spLocks noGrp="1"/>
+          </p:cNvSpPr>
+          <p:nvPr>
+            <p:ph type="sldNum" sz="quarter" idx="12"/>
+          </p:nvPr>
+        </p:nvSpPr>
+        <p:spPr/>
+        <p:txBody>
+          <a:bodyPr/>
+          <a:lstStyle/>
+          <a:p>
+            <a:fld id="{D57F1E4F-1CFF-5643-939E-217C01CDF565}" type="slidenum">
+              <a:rPr lang="en-US" dirty="0"/>
+              <a:pPr/>
+              <a:t>31</a:t>
+            </a:fld>
+            <a:endParaRPr lang="en-US" dirty="0"/>
+          </a:p>
+        </p:txBody>
+      </p:sp>
+    </p:spTree>
+    <p:extLst>
+      <p:ext uri="{BB962C8B-B14F-4D97-AF65-F5344CB8AC3E}">
+        <p14:creationId xmlns:p14="http://schemas.microsoft.com/office/powerpoint/2010/main" val="2204221398"/>
+      </p:ext>
+    </p:extLst>
+  </p:cSld>
+  <p:clrMapOvr>
+    <a:masterClrMapping/>
   </p:clrMapOvr>
 </p:sld>
 </file>

--- a/Presentation.pptx
+++ b/Presentation.pptx
@@ -36,6 +36,7 @@
     <p:sldId id="284" r:id="rId30"/>
     <p:sldId id="285" r:id="rId31"/>
     <p:sldId id="286" r:id="rId32"/>
+    <p:sldId id="287" r:id="rId33"/>
   </p:sldIdLst>
   <p:sldSz cx="12192000" cy="6858000"/>
   <p:notesSz cx="6858000" cy="9144000"/>
@@ -147,6 +148,7 @@
   <p1510:revLst>
     <p1510:client id="{4DE2C53C-1814-D3B6-27FE-0FD6BDFEA575}" v="525" dt="2021-08-25T08:41:37.141"/>
     <p1510:client id="{65628708-AB83-4494-8225-F7FE81CCD76F}" v="2229" dt="2021-08-24T13:42:57.675"/>
+    <p1510:client id="{72550835-74C4-6FD9-61A1-04F9F912C7F6}" v="83" dt="2021-08-26T10:13:55.925"/>
   </p1510:revLst>
 </p1510:revInfo>
 </file>
@@ -363,7 +365,7 @@
             <a:fld id="{B61BEF0D-F0BB-DE4B-95CE-6DB70DBA9567}" type="datetimeFigureOut">
               <a:rPr lang="en-US" dirty="0"/>
               <a:pPr/>
-              <a:t>8/25/2021</a:t>
+              <a:t>8/26/2021</a:t>
             </a:fld>
             <a:endParaRPr lang="en-US" dirty="0"/>
           </a:p>
@@ -655,7 +657,7 @@
             <a:fld id="{B61BEF0D-F0BB-DE4B-95CE-6DB70DBA9567}" type="datetimeFigureOut">
               <a:rPr lang="en-US" dirty="0"/>
               <a:pPr/>
-              <a:t>8/25/2021</a:t>
+              <a:t>8/26/2021</a:t>
             </a:fld>
             <a:endParaRPr lang="en-US" dirty="0"/>
           </a:p>
@@ -919,7 +921,7 @@
             <a:fld id="{B61BEF0D-F0BB-DE4B-95CE-6DB70DBA9567}" type="datetimeFigureOut">
               <a:rPr lang="en-US" dirty="0"/>
               <a:pPr/>
-              <a:t>8/25/2021</a:t>
+              <a:t>8/26/2021</a:t>
             </a:fld>
             <a:endParaRPr lang="en-US" dirty="0"/>
           </a:p>
@@ -1393,7 +1395,7 @@
             <a:fld id="{B61BEF0D-F0BB-DE4B-95CE-6DB70DBA9567}" type="datetimeFigureOut">
               <a:rPr lang="en-US" dirty="0"/>
               <a:pPr/>
-              <a:t>8/25/2021</a:t>
+              <a:t>8/26/2021</a:t>
             </a:fld>
             <a:endParaRPr lang="en-US" dirty="0"/>
           </a:p>
@@ -1578,7 +1580,7 @@
             <a:fld id="{B61BEF0D-F0BB-DE4B-95CE-6DB70DBA9567}" type="datetimeFigureOut">
               <a:rPr lang="en-US" dirty="0"/>
               <a:pPr/>
-              <a:t>8/25/2021</a:t>
+              <a:t>8/26/2021</a:t>
             </a:fld>
             <a:endParaRPr lang="en-US" dirty="0"/>
           </a:p>
@@ -2159,7 +2161,7 @@
             <a:fld id="{B61BEF0D-F0BB-DE4B-95CE-6DB70DBA9567}" type="datetimeFigureOut">
               <a:rPr lang="en-US" dirty="0"/>
               <a:pPr/>
-              <a:t>8/25/2021</a:t>
+              <a:t>8/26/2021</a:t>
             </a:fld>
             <a:endParaRPr lang="en-US" dirty="0"/>
           </a:p>
@@ -2496,7 +2498,7 @@
             <a:fld id="{B61BEF0D-F0BB-DE4B-95CE-6DB70DBA9567}" type="datetimeFigureOut">
               <a:rPr lang="en-US" dirty="0"/>
               <a:pPr/>
-              <a:t>8/25/2021</a:t>
+              <a:t>8/26/2021</a:t>
             </a:fld>
             <a:endParaRPr lang="en-US" dirty="0"/>
           </a:p>
@@ -2675,7 +2677,7 @@
             <a:fld id="{B61BEF0D-F0BB-DE4B-95CE-6DB70DBA9567}" type="datetimeFigureOut">
               <a:rPr lang="en-US" dirty="0"/>
               <a:pPr/>
-              <a:t>8/25/2021</a:t>
+              <a:t>8/26/2021</a:t>
             </a:fld>
             <a:endParaRPr lang="en-US" dirty="0"/>
           </a:p>
@@ -2859,7 +2861,7 @@
             <a:fld id="{B61BEF0D-F0BB-DE4B-95CE-6DB70DBA9567}" type="datetimeFigureOut">
               <a:rPr lang="en-US" dirty="0"/>
               <a:pPr/>
-              <a:t>8/25/2021</a:t>
+              <a:t>8/26/2021</a:t>
             </a:fld>
             <a:endParaRPr lang="en-US" dirty="0"/>
           </a:p>
@@ -3033,7 +3035,7 @@
             <a:fld id="{B61BEF0D-F0BB-DE4B-95CE-6DB70DBA9567}" type="datetimeFigureOut">
               <a:rPr lang="en-US" dirty="0"/>
               <a:pPr/>
-              <a:t>8/25/2021</a:t>
+              <a:t>8/26/2021</a:t>
             </a:fld>
             <a:endParaRPr lang="en-US" dirty="0"/>
           </a:p>
@@ -3295,7 +3297,7 @@
             <a:fld id="{B61BEF0D-F0BB-DE4B-95CE-6DB70DBA9567}" type="datetimeFigureOut">
               <a:rPr lang="en-US" dirty="0"/>
               <a:pPr/>
-              <a:t>8/25/2021</a:t>
+              <a:t>8/26/2021</a:t>
             </a:fld>
             <a:endParaRPr lang="en-US" dirty="0"/>
           </a:p>
@@ -3590,7 +3592,7 @@
             <a:fld id="{B61BEF0D-F0BB-DE4B-95CE-6DB70DBA9567}" type="datetimeFigureOut">
               <a:rPr lang="en-US" dirty="0"/>
               <a:pPr/>
-              <a:t>8/25/2021</a:t>
+              <a:t>8/26/2021</a:t>
             </a:fld>
             <a:endParaRPr lang="en-US" dirty="0"/>
           </a:p>
@@ -4023,7 +4025,7 @@
             <a:fld id="{B61BEF0D-F0BB-DE4B-95CE-6DB70DBA9567}" type="datetimeFigureOut">
               <a:rPr lang="en-US" dirty="0"/>
               <a:pPr/>
-              <a:t>8/25/2021</a:t>
+              <a:t>8/26/2021</a:t>
             </a:fld>
             <a:endParaRPr lang="en-US" dirty="0"/>
           </a:p>
@@ -4146,7 +4148,7 @@
             <a:fld id="{B61BEF0D-F0BB-DE4B-95CE-6DB70DBA9567}" type="datetimeFigureOut">
               <a:rPr lang="en-US" dirty="0"/>
               <a:pPr/>
-              <a:t>8/25/2021</a:t>
+              <a:t>8/26/2021</a:t>
             </a:fld>
             <a:endParaRPr lang="en-US" dirty="0"/>
           </a:p>
@@ -4247,7 +4249,7 @@
             <a:fld id="{B61BEF0D-F0BB-DE4B-95CE-6DB70DBA9567}" type="datetimeFigureOut">
               <a:rPr lang="en-US" dirty="0"/>
               <a:pPr/>
-              <a:t>8/25/2021</a:t>
+              <a:t>8/26/2021</a:t>
             </a:fld>
             <a:endParaRPr lang="en-US" dirty="0"/>
           </a:p>
@@ -4534,7 +4536,7 @@
             <a:fld id="{B61BEF0D-F0BB-DE4B-95CE-6DB70DBA9567}" type="datetimeFigureOut">
               <a:rPr lang="en-US" dirty="0"/>
               <a:pPr/>
-              <a:t>8/25/2021</a:t>
+              <a:t>8/26/2021</a:t>
             </a:fld>
             <a:endParaRPr lang="en-US" dirty="0"/>
           </a:p>
@@ -4826,7 +4828,7 @@
             <a:fld id="{B61BEF0D-F0BB-DE4B-95CE-6DB70DBA9567}" type="datetimeFigureOut">
               <a:rPr lang="en-US" dirty="0"/>
               <a:pPr/>
-              <a:t>8/25/2021</a:t>
+              <a:t>8/26/2021</a:t>
             </a:fld>
             <a:endParaRPr lang="en-US" dirty="0"/>
           </a:p>
@@ -5089,7 +5091,7 @@
             <a:fld id="{B61BEF0D-F0BB-DE4B-95CE-6DB70DBA9567}" type="datetimeFigureOut">
               <a:rPr lang="en-US" dirty="0"/>
               <a:pPr/>
-              <a:t>8/25/2021</a:t>
+              <a:t>8/26/2021</a:t>
             </a:fld>
             <a:endParaRPr lang="en-US" dirty="0"/>
           </a:p>
@@ -14425,6 +14427,36 @@
           <a:chExt cx="0" cy="0"/>
         </a:xfrm>
       </p:grpSpPr>
+      <p:pic>
+        <p:nvPicPr>
+          <p:cNvPr id="3" name="Picture 4" descr="Logo, company name&#10;&#10;Description automatically generated">
+            <a:extLst>
+              <a:ext uri="{FF2B5EF4-FFF2-40B4-BE49-F238E27FC236}">
+                <a16:creationId xmlns:a16="http://schemas.microsoft.com/office/drawing/2014/main" id="{02B744B1-A65D-41EA-828F-AECDD9FB07D5}"/>
+              </a:ext>
+            </a:extLst>
+          </p:cNvPr>
+          <p:cNvPicPr>
+            <a:picLocks noChangeAspect="1"/>
+          </p:cNvPicPr>
+          <p:nvPr/>
+        </p:nvPicPr>
+        <p:blipFill>
+          <a:blip r:embed="rId2"/>
+          <a:stretch>
+            <a:fillRect/>
+          </a:stretch>
+        </p:blipFill>
+        <p:spPr>
+          <a:xfrm>
+            <a:off x="10164233" y="-2456"/>
+            <a:ext cx="1843617" cy="612094"/>
+          </a:xfrm>
+          <a:prstGeom prst="rect">
+            <a:avLst/>
+          </a:prstGeom>
+        </p:spPr>
+      </p:pic>
       <p:sp>
         <p:nvSpPr>
           <p:cNvPr id="2" name="Title 1">
@@ -14510,7 +14542,7 @@
           </p:nvPr>
         </p:nvPicPr>
         <p:blipFill>
-          <a:blip r:embed="rId2"/>
+          <a:blip r:embed="rId3"/>
           <a:stretch>
             <a:fillRect/>
           </a:stretch>
@@ -14610,6 +14642,36 @@
           <a:chExt cx="0" cy="0"/>
         </a:xfrm>
       </p:grpSpPr>
+      <p:pic>
+        <p:nvPicPr>
+          <p:cNvPr id="3" name="Picture 4" descr="Logo, company name&#10;&#10;Description automatically generated">
+            <a:extLst>
+              <a:ext uri="{FF2B5EF4-FFF2-40B4-BE49-F238E27FC236}">
+                <a16:creationId xmlns:a16="http://schemas.microsoft.com/office/drawing/2014/main" id="{023CC5A6-8844-49D8-AC3F-8744924DA1D8}"/>
+              </a:ext>
+            </a:extLst>
+          </p:cNvPr>
+          <p:cNvPicPr>
+            <a:picLocks noChangeAspect="1"/>
+          </p:cNvPicPr>
+          <p:nvPr/>
+        </p:nvPicPr>
+        <p:blipFill>
+          <a:blip r:embed="rId2"/>
+          <a:stretch>
+            <a:fillRect/>
+          </a:stretch>
+        </p:blipFill>
+        <p:spPr>
+          <a:xfrm>
+            <a:off x="10164233" y="-2456"/>
+            <a:ext cx="1843617" cy="612094"/>
+          </a:xfrm>
+          <a:prstGeom prst="rect">
+            <a:avLst/>
+          </a:prstGeom>
+        </p:spPr>
+      </p:pic>
       <p:sp>
         <p:nvSpPr>
           <p:cNvPr id="2" name="Title 1">
@@ -14676,7 +14738,7 @@
           </p:nvPr>
         </p:nvPicPr>
         <p:blipFill>
-          <a:blip r:embed="rId2"/>
+          <a:blip r:embed="rId3"/>
           <a:stretch>
             <a:fillRect/>
           </a:stretch>
@@ -14755,6 +14817,1262 @@
   </p:cSld>
   <p:clrMapOvr>
     <a:masterClrMapping/>
+  </p:clrMapOvr>
+</p:sld>
+</file>
+
+<file path=ppt/slides/slide32.xml><?xml version="1.0" encoding="utf-8"?>
+<p:sld xmlns:a="http://schemas.openxmlformats.org/drawingml/2006/main" xmlns:r="http://schemas.openxmlformats.org/officeDocument/2006/relationships" xmlns:p="http://schemas.openxmlformats.org/presentationml/2006/main">
+  <p:cSld>
+    <p:bg>
+      <p:bgPr>
+        <a:gradFill rotWithShape="1">
+          <a:gsLst>
+            <a:gs pos="0">
+              <a:schemeClr val="bg2">
+                <a:tint val="90000"/>
+                <a:lumMod val="110000"/>
+              </a:schemeClr>
+            </a:gs>
+            <a:gs pos="100000">
+              <a:schemeClr val="bg2">
+                <a:shade val="64000"/>
+                <a:lumMod val="98000"/>
+              </a:schemeClr>
+            </a:gs>
+          </a:gsLst>
+          <a:lin ang="5400000" scaled="0"/>
+        </a:gradFill>
+        <a:effectLst/>
+      </p:bgPr>
+    </p:bg>
+    <p:spTree>
+      <p:nvGrpSpPr>
+        <p:cNvPr id="1" name=""/>
+        <p:cNvGrpSpPr/>
+        <p:nvPr/>
+      </p:nvGrpSpPr>
+      <p:grpSpPr>
+        <a:xfrm>
+          <a:off x="0" y="0"/>
+          <a:ext cx="0" cy="0"/>
+          <a:chOff x="0" y="0"/>
+          <a:chExt cx="0" cy="0"/>
+        </a:xfrm>
+      </p:grpSpPr>
+      <p:sp useBgFill="1">
+        <p:nvSpPr>
+          <p:cNvPr id="10" name="Rectangle 9">
+            <a:extLst>
+              <a:ext uri="{FF2B5EF4-FFF2-40B4-BE49-F238E27FC236}">
+                <a16:creationId xmlns:a16="http://schemas.microsoft.com/office/drawing/2014/main" id="{5690F3EE-0CD1-4520-B020-4E1DF3141C74}"/>
+              </a:ext>
+              <a:ext uri="{C183D7F6-B498-43B3-948B-1728B52AA6E4}">
+                <adec:decorative xmlns:adec="http://schemas.microsoft.com/office/drawing/2017/decorative" val="1"/>
+              </a:ext>
+            </a:extLst>
+          </p:cNvPr>
+          <p:cNvSpPr>
+            <a:spLocks noGrp="1" noRot="1" noChangeAspect="1" noMove="1" noResize="1" noEditPoints="1" noAdjustHandles="1" noChangeArrowheads="1" noChangeShapeType="1" noTextEdit="1"/>
+          </p:cNvSpPr>
+          <p:nvPr>
+            <p:extLst>
+              <p:ext uri="{386F3935-93C4-4BCD-93E2-E3B085C9AB24}">
+                <p16:designElem xmlns:p16="http://schemas.microsoft.com/office/powerpoint/2015/main" val="1"/>
+              </p:ext>
+            </p:extLst>
+          </p:nvPr>
+        </p:nvSpPr>
+        <p:spPr>
+          <a:xfrm>
+            <a:off x="0" y="-1"/>
+            <a:ext cx="12192000" cy="6858001"/>
+          </a:xfrm>
+          <a:prstGeom prst="rect">
+            <a:avLst/>
+          </a:prstGeom>
+          <a:ln>
+            <a:noFill/>
+          </a:ln>
+        </p:spPr>
+        <p:style>
+          <a:lnRef idx="2">
+            <a:schemeClr val="accent1">
+              <a:shade val="50000"/>
+            </a:schemeClr>
+          </a:lnRef>
+          <a:fillRef idx="1">
+            <a:schemeClr val="accent1"/>
+          </a:fillRef>
+          <a:effectRef idx="0">
+            <a:schemeClr val="accent1"/>
+          </a:effectRef>
+          <a:fontRef idx="minor">
+            <a:schemeClr val="lt1"/>
+          </a:fontRef>
+        </p:style>
+        <p:txBody>
+          <a:bodyPr rtlCol="0" anchor="ctr"/>
+          <a:lstStyle/>
+          <a:p>
+            <a:pPr algn="ctr"/>
+            <a:endParaRPr lang="en-US"/>
+          </a:p>
+        </p:txBody>
+      </p:sp>
+      <p:sp>
+        <p:nvSpPr>
+          <p:cNvPr id="12" name="Freeform: Shape 11">
+            <a:extLst>
+              <a:ext uri="{FF2B5EF4-FFF2-40B4-BE49-F238E27FC236}">
+                <a16:creationId xmlns:a16="http://schemas.microsoft.com/office/drawing/2014/main" id="{9EFDE1E9-7FE0-45CA-9DE2-237F77319A9F}"/>
+              </a:ext>
+              <a:ext uri="{C183D7F6-B498-43B3-948B-1728B52AA6E4}">
+                <adec:decorative xmlns:adec="http://schemas.microsoft.com/office/drawing/2017/decorative" val="1"/>
+              </a:ext>
+            </a:extLst>
+          </p:cNvPr>
+          <p:cNvSpPr>
+            <a:spLocks noGrp="1" noRot="1" noChangeAspect="1" noMove="1" noResize="1" noEditPoints="1" noAdjustHandles="1" noChangeArrowheads="1" noChangeShapeType="1" noTextEdit="1"/>
+          </p:cNvSpPr>
+          <p:nvPr>
+            <p:extLst>
+              <p:ext uri="{386F3935-93C4-4BCD-93E2-E3B085C9AB24}">
+                <p16:designElem xmlns:p16="http://schemas.microsoft.com/office/powerpoint/2015/main" val="1"/>
+              </p:ext>
+            </p:extLst>
+          </p:nvPr>
+        </p:nvSpPr>
+        <p:spPr>
+          <a:xfrm>
+            <a:off x="0" y="-1"/>
+            <a:ext cx="12192000" cy="2270840"/>
+          </a:xfrm>
+          <a:custGeom>
+            <a:avLst/>
+            <a:gdLst>
+              <a:gd name="connsiteX0" fmla="*/ 0 w 12192000"/>
+              <a:gd name="connsiteY0" fmla="*/ 0 h 2270840"/>
+              <a:gd name="connsiteX1" fmla="*/ 12192000 w 12192000"/>
+              <a:gd name="connsiteY1" fmla="*/ 0 h 2270840"/>
+              <a:gd name="connsiteX2" fmla="*/ 12192000 w 12192000"/>
+              <a:gd name="connsiteY2" fmla="*/ 519831 h 2270840"/>
+              <a:gd name="connsiteX3" fmla="*/ 12192000 w 12192000"/>
+              <a:gd name="connsiteY3" fmla="*/ 744794 h 2270840"/>
+              <a:gd name="connsiteX4" fmla="*/ 12192000 w 12192000"/>
+              <a:gd name="connsiteY4" fmla="*/ 1754022 h 2270840"/>
+              <a:gd name="connsiteX5" fmla="*/ 11957522 w 12192000"/>
+              <a:gd name="connsiteY5" fmla="*/ 1797924 h 2270840"/>
+              <a:gd name="connsiteX6" fmla="*/ 11679973 w 12192000"/>
+              <a:gd name="connsiteY6" fmla="*/ 1847668 h 2270840"/>
+              <a:gd name="connsiteX7" fmla="*/ 11401197 w 12192000"/>
+              <a:gd name="connsiteY7" fmla="*/ 1896361 h 2270840"/>
+              <a:gd name="connsiteX8" fmla="*/ 11121192 w 12192000"/>
+              <a:gd name="connsiteY8" fmla="*/ 1938047 h 2270840"/>
+              <a:gd name="connsiteX9" fmla="*/ 10842416 w 12192000"/>
+              <a:gd name="connsiteY9" fmla="*/ 1980084 h 2270840"/>
+              <a:gd name="connsiteX10" fmla="*/ 10562411 w 12192000"/>
+              <a:gd name="connsiteY10" fmla="*/ 2019319 h 2270840"/>
+              <a:gd name="connsiteX11" fmla="*/ 10286091 w 12192000"/>
+              <a:gd name="connsiteY11" fmla="*/ 2052948 h 2270840"/>
+              <a:gd name="connsiteX12" fmla="*/ 10006086 w 12192000"/>
+              <a:gd name="connsiteY12" fmla="*/ 2084826 h 2270840"/>
+              <a:gd name="connsiteX13" fmla="*/ 9727310 w 12192000"/>
+              <a:gd name="connsiteY13" fmla="*/ 2113902 h 2270840"/>
+              <a:gd name="connsiteX14" fmla="*/ 9453445 w 12192000"/>
+              <a:gd name="connsiteY14" fmla="*/ 2139124 h 2270840"/>
+              <a:gd name="connsiteX15" fmla="*/ 9175897 w 12192000"/>
+              <a:gd name="connsiteY15" fmla="*/ 2164346 h 2270840"/>
+              <a:gd name="connsiteX16" fmla="*/ 8902033 w 12192000"/>
+              <a:gd name="connsiteY16" fmla="*/ 2185365 h 2270840"/>
+              <a:gd name="connsiteX17" fmla="*/ 8628169 w 12192000"/>
+              <a:gd name="connsiteY17" fmla="*/ 2201829 h 2270840"/>
+              <a:gd name="connsiteX18" fmla="*/ 8355533 w 12192000"/>
+              <a:gd name="connsiteY18" fmla="*/ 2218995 h 2270840"/>
+              <a:gd name="connsiteX19" fmla="*/ 8085353 w 12192000"/>
+              <a:gd name="connsiteY19" fmla="*/ 2233357 h 2270840"/>
+              <a:gd name="connsiteX20" fmla="*/ 7817629 w 12192000"/>
+              <a:gd name="connsiteY20" fmla="*/ 2243516 h 2270840"/>
+              <a:gd name="connsiteX21" fmla="*/ 7549905 w 12192000"/>
+              <a:gd name="connsiteY21" fmla="*/ 2252274 h 2270840"/>
+              <a:gd name="connsiteX22" fmla="*/ 7284638 w 12192000"/>
+              <a:gd name="connsiteY22" fmla="*/ 2260681 h 2270840"/>
+              <a:gd name="connsiteX23" fmla="*/ 7023055 w 12192000"/>
+              <a:gd name="connsiteY23" fmla="*/ 2264535 h 2270840"/>
+              <a:gd name="connsiteX24" fmla="*/ 6761472 w 12192000"/>
+              <a:gd name="connsiteY24" fmla="*/ 2268738 h 2270840"/>
+              <a:gd name="connsiteX25" fmla="*/ 6503573 w 12192000"/>
+              <a:gd name="connsiteY25" fmla="*/ 2270840 h 2270840"/>
+              <a:gd name="connsiteX26" fmla="*/ 6248130 w 12192000"/>
+              <a:gd name="connsiteY26" fmla="*/ 2268738 h 2270840"/>
+              <a:gd name="connsiteX27" fmla="*/ 5995144 w 12192000"/>
+              <a:gd name="connsiteY27" fmla="*/ 2268738 h 2270840"/>
+              <a:gd name="connsiteX28" fmla="*/ 5744613 w 12192000"/>
+              <a:gd name="connsiteY28" fmla="*/ 2264535 h 2270840"/>
+              <a:gd name="connsiteX29" fmla="*/ 5498995 w 12192000"/>
+              <a:gd name="connsiteY29" fmla="*/ 2258229 h 2270840"/>
+              <a:gd name="connsiteX30" fmla="*/ 5255834 w 12192000"/>
+              <a:gd name="connsiteY30" fmla="*/ 2252274 h 2270840"/>
+              <a:gd name="connsiteX31" fmla="*/ 5017584 w 12192000"/>
+              <a:gd name="connsiteY31" fmla="*/ 2245618 h 2270840"/>
+              <a:gd name="connsiteX32" fmla="*/ 4780562 w 12192000"/>
+              <a:gd name="connsiteY32" fmla="*/ 2235459 h 2270840"/>
+              <a:gd name="connsiteX33" fmla="*/ 4547227 w 12192000"/>
+              <a:gd name="connsiteY33" fmla="*/ 2224599 h 2270840"/>
+              <a:gd name="connsiteX34" fmla="*/ 4318800 w 12192000"/>
+              <a:gd name="connsiteY34" fmla="*/ 2214791 h 2270840"/>
+              <a:gd name="connsiteX35" fmla="*/ 3873004 w 12192000"/>
+              <a:gd name="connsiteY35" fmla="*/ 2187116 h 2270840"/>
+              <a:gd name="connsiteX36" fmla="*/ 3445628 w 12192000"/>
+              <a:gd name="connsiteY36" fmla="*/ 2157691 h 2270840"/>
+              <a:gd name="connsiteX37" fmla="*/ 3035446 w 12192000"/>
+              <a:gd name="connsiteY37" fmla="*/ 2126863 h 2270840"/>
+              <a:gd name="connsiteX38" fmla="*/ 2647370 w 12192000"/>
+              <a:gd name="connsiteY38" fmla="*/ 2092884 h 2270840"/>
+              <a:gd name="connsiteX39" fmla="*/ 2276487 w 12192000"/>
+              <a:gd name="connsiteY39" fmla="*/ 2057502 h 2270840"/>
+              <a:gd name="connsiteX40" fmla="*/ 1932621 w 12192000"/>
+              <a:gd name="connsiteY40" fmla="*/ 2019319 h 2270840"/>
+              <a:gd name="connsiteX41" fmla="*/ 1609634 w 12192000"/>
+              <a:gd name="connsiteY41" fmla="*/ 1981836 h 2270840"/>
+              <a:gd name="connsiteX42" fmla="*/ 1312435 w 12192000"/>
+              <a:gd name="connsiteY42" fmla="*/ 1944353 h 2270840"/>
+              <a:gd name="connsiteX43" fmla="*/ 1039799 w 12192000"/>
+              <a:gd name="connsiteY43" fmla="*/ 1908972 h 2270840"/>
+              <a:gd name="connsiteX44" fmla="*/ 797865 w 12192000"/>
+              <a:gd name="connsiteY44" fmla="*/ 1875342 h 2270840"/>
+              <a:gd name="connsiteX45" fmla="*/ 579265 w 12192000"/>
+              <a:gd name="connsiteY45" fmla="*/ 1843464 h 2270840"/>
+              <a:gd name="connsiteX46" fmla="*/ 395052 w 12192000"/>
+              <a:gd name="connsiteY46" fmla="*/ 1816841 h 2270840"/>
+              <a:gd name="connsiteX47" fmla="*/ 240312 w 12192000"/>
+              <a:gd name="connsiteY47" fmla="*/ 1791618 h 2270840"/>
+              <a:gd name="connsiteX48" fmla="*/ 27853 w 12192000"/>
+              <a:gd name="connsiteY48" fmla="*/ 1755537 h 2270840"/>
+              <a:gd name="connsiteX49" fmla="*/ 0 w 12192000"/>
+              <a:gd name="connsiteY49" fmla="*/ 1750824 h 2270840"/>
+              <a:gd name="connsiteX50" fmla="*/ 0 w 12192000"/>
+              <a:gd name="connsiteY50" fmla="*/ 744794 h 2270840"/>
+              <a:gd name="connsiteX51" fmla="*/ 0 w 12192000"/>
+              <a:gd name="connsiteY51" fmla="*/ 519831 h 2270840"/>
+            </a:gdLst>
+            <a:ahLst/>
+            <a:cxnLst>
+              <a:cxn ang="0">
+                <a:pos x="connsiteX0" y="connsiteY0"/>
+              </a:cxn>
+              <a:cxn ang="0">
+                <a:pos x="connsiteX1" y="connsiteY1"/>
+              </a:cxn>
+              <a:cxn ang="0">
+                <a:pos x="connsiteX2" y="connsiteY2"/>
+              </a:cxn>
+              <a:cxn ang="0">
+                <a:pos x="connsiteX3" y="connsiteY3"/>
+              </a:cxn>
+              <a:cxn ang="0">
+                <a:pos x="connsiteX4" y="connsiteY4"/>
+              </a:cxn>
+              <a:cxn ang="0">
+                <a:pos x="connsiteX5" y="connsiteY5"/>
+              </a:cxn>
+              <a:cxn ang="0">
+                <a:pos x="connsiteX6" y="connsiteY6"/>
+              </a:cxn>
+              <a:cxn ang="0">
+                <a:pos x="connsiteX7" y="connsiteY7"/>
+              </a:cxn>
+              <a:cxn ang="0">
+                <a:pos x="connsiteX8" y="connsiteY8"/>
+              </a:cxn>
+              <a:cxn ang="0">
+                <a:pos x="connsiteX9" y="connsiteY9"/>
+              </a:cxn>
+              <a:cxn ang="0">
+                <a:pos x="connsiteX10" y="connsiteY10"/>
+              </a:cxn>
+              <a:cxn ang="0">
+                <a:pos x="connsiteX11" y="connsiteY11"/>
+              </a:cxn>
+              <a:cxn ang="0">
+                <a:pos x="connsiteX12" y="connsiteY12"/>
+              </a:cxn>
+              <a:cxn ang="0">
+                <a:pos x="connsiteX13" y="connsiteY13"/>
+              </a:cxn>
+              <a:cxn ang="0">
+                <a:pos x="connsiteX14" y="connsiteY14"/>
+              </a:cxn>
+              <a:cxn ang="0">
+                <a:pos x="connsiteX15" y="connsiteY15"/>
+              </a:cxn>
+              <a:cxn ang="0">
+                <a:pos x="connsiteX16" y="connsiteY16"/>
+              </a:cxn>
+              <a:cxn ang="0">
+                <a:pos x="connsiteX17" y="connsiteY17"/>
+              </a:cxn>
+              <a:cxn ang="0">
+                <a:pos x="connsiteX18" y="connsiteY18"/>
+              </a:cxn>
+              <a:cxn ang="0">
+                <a:pos x="connsiteX19" y="connsiteY19"/>
+              </a:cxn>
+              <a:cxn ang="0">
+                <a:pos x="connsiteX20" y="connsiteY20"/>
+              </a:cxn>
+              <a:cxn ang="0">
+                <a:pos x="connsiteX21" y="connsiteY21"/>
+              </a:cxn>
+              <a:cxn ang="0">
+                <a:pos x="connsiteX22" y="connsiteY22"/>
+              </a:cxn>
+              <a:cxn ang="0">
+                <a:pos x="connsiteX23" y="connsiteY23"/>
+              </a:cxn>
+              <a:cxn ang="0">
+                <a:pos x="connsiteX24" y="connsiteY24"/>
+              </a:cxn>
+              <a:cxn ang="0">
+                <a:pos x="connsiteX25" y="connsiteY25"/>
+              </a:cxn>
+              <a:cxn ang="0">
+                <a:pos x="connsiteX26" y="connsiteY26"/>
+              </a:cxn>
+              <a:cxn ang="0">
+                <a:pos x="connsiteX27" y="connsiteY27"/>
+              </a:cxn>
+              <a:cxn ang="0">
+                <a:pos x="connsiteX28" y="connsiteY28"/>
+              </a:cxn>
+              <a:cxn ang="0">
+                <a:pos x="connsiteX29" y="connsiteY29"/>
+              </a:cxn>
+              <a:cxn ang="0">
+                <a:pos x="connsiteX30" y="connsiteY30"/>
+              </a:cxn>
+              <a:cxn ang="0">
+                <a:pos x="connsiteX31" y="connsiteY31"/>
+              </a:cxn>
+              <a:cxn ang="0">
+                <a:pos x="connsiteX32" y="connsiteY32"/>
+              </a:cxn>
+              <a:cxn ang="0">
+                <a:pos x="connsiteX33" y="connsiteY33"/>
+              </a:cxn>
+              <a:cxn ang="0">
+                <a:pos x="connsiteX34" y="connsiteY34"/>
+              </a:cxn>
+              <a:cxn ang="0">
+                <a:pos x="connsiteX35" y="connsiteY35"/>
+              </a:cxn>
+              <a:cxn ang="0">
+                <a:pos x="connsiteX36" y="connsiteY36"/>
+              </a:cxn>
+              <a:cxn ang="0">
+                <a:pos x="connsiteX37" y="connsiteY37"/>
+              </a:cxn>
+              <a:cxn ang="0">
+                <a:pos x="connsiteX38" y="connsiteY38"/>
+              </a:cxn>
+              <a:cxn ang="0">
+                <a:pos x="connsiteX39" y="connsiteY39"/>
+              </a:cxn>
+              <a:cxn ang="0">
+                <a:pos x="connsiteX40" y="connsiteY40"/>
+              </a:cxn>
+              <a:cxn ang="0">
+                <a:pos x="connsiteX41" y="connsiteY41"/>
+              </a:cxn>
+              <a:cxn ang="0">
+                <a:pos x="connsiteX42" y="connsiteY42"/>
+              </a:cxn>
+              <a:cxn ang="0">
+                <a:pos x="connsiteX43" y="connsiteY43"/>
+              </a:cxn>
+              <a:cxn ang="0">
+                <a:pos x="connsiteX44" y="connsiteY44"/>
+              </a:cxn>
+              <a:cxn ang="0">
+                <a:pos x="connsiteX45" y="connsiteY45"/>
+              </a:cxn>
+              <a:cxn ang="0">
+                <a:pos x="connsiteX46" y="connsiteY46"/>
+              </a:cxn>
+              <a:cxn ang="0">
+                <a:pos x="connsiteX47" y="connsiteY47"/>
+              </a:cxn>
+              <a:cxn ang="0">
+                <a:pos x="connsiteX48" y="connsiteY48"/>
+              </a:cxn>
+              <a:cxn ang="0">
+                <a:pos x="connsiteX49" y="connsiteY49"/>
+              </a:cxn>
+              <a:cxn ang="0">
+                <a:pos x="connsiteX50" y="connsiteY50"/>
+              </a:cxn>
+              <a:cxn ang="0">
+                <a:pos x="connsiteX51" y="connsiteY51"/>
+              </a:cxn>
+            </a:cxnLst>
+            <a:rect l="l" t="t" r="r" b="b"/>
+            <a:pathLst>
+              <a:path w="12192000" h="2270840">
+                <a:moveTo>
+                  <a:pt x="0" y="0"/>
+                </a:moveTo>
+                <a:lnTo>
+                  <a:pt x="12192000" y="0"/>
+                </a:lnTo>
+                <a:lnTo>
+                  <a:pt x="12192000" y="519831"/>
+                </a:lnTo>
+                <a:lnTo>
+                  <a:pt x="12192000" y="744794"/>
+                </a:lnTo>
+                <a:lnTo>
+                  <a:pt x="12192000" y="1754022"/>
+                </a:lnTo>
+                <a:lnTo>
+                  <a:pt x="11957522" y="1797924"/>
+                </a:lnTo>
+                <a:lnTo>
+                  <a:pt x="11679973" y="1847668"/>
+                </a:lnTo>
+                <a:lnTo>
+                  <a:pt x="11401197" y="1896361"/>
+                </a:lnTo>
+                <a:lnTo>
+                  <a:pt x="11121192" y="1938047"/>
+                </a:lnTo>
+                <a:lnTo>
+                  <a:pt x="10842416" y="1980084"/>
+                </a:lnTo>
+                <a:lnTo>
+                  <a:pt x="10562411" y="2019319"/>
+                </a:lnTo>
+                <a:lnTo>
+                  <a:pt x="10286091" y="2052948"/>
+                </a:lnTo>
+                <a:lnTo>
+                  <a:pt x="10006086" y="2084826"/>
+                </a:lnTo>
+                <a:lnTo>
+                  <a:pt x="9727310" y="2113902"/>
+                </a:lnTo>
+                <a:lnTo>
+                  <a:pt x="9453445" y="2139124"/>
+                </a:lnTo>
+                <a:lnTo>
+                  <a:pt x="9175897" y="2164346"/>
+                </a:lnTo>
+                <a:lnTo>
+                  <a:pt x="8902033" y="2185365"/>
+                </a:lnTo>
+                <a:lnTo>
+                  <a:pt x="8628169" y="2201829"/>
+                </a:lnTo>
+                <a:lnTo>
+                  <a:pt x="8355533" y="2218995"/>
+                </a:lnTo>
+                <a:lnTo>
+                  <a:pt x="8085353" y="2233357"/>
+                </a:lnTo>
+                <a:lnTo>
+                  <a:pt x="7817629" y="2243516"/>
+                </a:lnTo>
+                <a:lnTo>
+                  <a:pt x="7549905" y="2252274"/>
+                </a:lnTo>
+                <a:lnTo>
+                  <a:pt x="7284638" y="2260681"/>
+                </a:lnTo>
+                <a:lnTo>
+                  <a:pt x="7023055" y="2264535"/>
+                </a:lnTo>
+                <a:lnTo>
+                  <a:pt x="6761472" y="2268738"/>
+                </a:lnTo>
+                <a:lnTo>
+                  <a:pt x="6503573" y="2270840"/>
+                </a:lnTo>
+                <a:lnTo>
+                  <a:pt x="6248130" y="2268738"/>
+                </a:lnTo>
+                <a:lnTo>
+                  <a:pt x="5995144" y="2268738"/>
+                </a:lnTo>
+                <a:lnTo>
+                  <a:pt x="5744613" y="2264535"/>
+                </a:lnTo>
+                <a:lnTo>
+                  <a:pt x="5498995" y="2258229"/>
+                </a:lnTo>
+                <a:lnTo>
+                  <a:pt x="5255834" y="2252274"/>
+                </a:lnTo>
+                <a:lnTo>
+                  <a:pt x="5017584" y="2245618"/>
+                </a:lnTo>
+                <a:lnTo>
+                  <a:pt x="4780562" y="2235459"/>
+                </a:lnTo>
+                <a:lnTo>
+                  <a:pt x="4547227" y="2224599"/>
+                </a:lnTo>
+                <a:lnTo>
+                  <a:pt x="4318800" y="2214791"/>
+                </a:lnTo>
+                <a:lnTo>
+                  <a:pt x="3873004" y="2187116"/>
+                </a:lnTo>
+                <a:lnTo>
+                  <a:pt x="3445628" y="2157691"/>
+                </a:lnTo>
+                <a:lnTo>
+                  <a:pt x="3035446" y="2126863"/>
+                </a:lnTo>
+                <a:lnTo>
+                  <a:pt x="2647370" y="2092884"/>
+                </a:lnTo>
+                <a:lnTo>
+                  <a:pt x="2276487" y="2057502"/>
+                </a:lnTo>
+                <a:lnTo>
+                  <a:pt x="1932621" y="2019319"/>
+                </a:lnTo>
+                <a:lnTo>
+                  <a:pt x="1609634" y="1981836"/>
+                </a:lnTo>
+                <a:lnTo>
+                  <a:pt x="1312435" y="1944353"/>
+                </a:lnTo>
+                <a:lnTo>
+                  <a:pt x="1039799" y="1908972"/>
+                </a:lnTo>
+                <a:lnTo>
+                  <a:pt x="797865" y="1875342"/>
+                </a:lnTo>
+                <a:lnTo>
+                  <a:pt x="579265" y="1843464"/>
+                </a:lnTo>
+                <a:lnTo>
+                  <a:pt x="395052" y="1816841"/>
+                </a:lnTo>
+                <a:lnTo>
+                  <a:pt x="240312" y="1791618"/>
+                </a:lnTo>
+                <a:lnTo>
+                  <a:pt x="27853" y="1755537"/>
+                </a:lnTo>
+                <a:lnTo>
+                  <a:pt x="0" y="1750824"/>
+                </a:lnTo>
+                <a:lnTo>
+                  <a:pt x="0" y="744794"/>
+                </a:lnTo>
+                <a:lnTo>
+                  <a:pt x="0" y="519831"/>
+                </a:lnTo>
+                <a:close/>
+              </a:path>
+            </a:pathLst>
+          </a:custGeom>
+          <a:ln w="44450">
+            <a:gradFill>
+              <a:gsLst>
+                <a:gs pos="0">
+                  <a:schemeClr val="bg2">
+                    <a:alpha val="65000"/>
+                  </a:schemeClr>
+                </a:gs>
+                <a:gs pos="98000">
+                  <a:schemeClr val="bg2">
+                    <a:lumMod val="75000"/>
+                    <a:alpha val="55000"/>
+                  </a:schemeClr>
+                </a:gs>
+              </a:gsLst>
+              <a:lin ang="5400000" scaled="1"/>
+            </a:gradFill>
+          </a:ln>
+          <a:effectLst>
+            <a:outerShdw blurRad="50800" dist="38100" dir="5400000" algn="t" rotWithShape="0">
+              <a:prstClr val="black">
+                <a:alpha val="50000"/>
+              </a:prstClr>
+            </a:outerShdw>
+          </a:effectLst>
+        </p:spPr>
+        <p:style>
+          <a:lnRef idx="2">
+            <a:schemeClr val="accent1">
+              <a:shade val="50000"/>
+            </a:schemeClr>
+          </a:lnRef>
+          <a:fillRef idx="1003">
+            <a:schemeClr val="dk1"/>
+          </a:fillRef>
+          <a:effectRef idx="0">
+            <a:schemeClr val="accent1"/>
+          </a:effectRef>
+          <a:fontRef idx="minor">
+            <a:schemeClr val="lt1"/>
+          </a:fontRef>
+        </p:style>
+        <p:txBody>
+          <a:bodyPr wrap="square" rtlCol="0" anchor="ctr">
+            <a:noAutofit/>
+          </a:bodyPr>
+          <a:lstStyle/>
+          <a:p>
+            <a:pPr algn="ctr"/>
+            <a:endParaRPr lang="en-US"/>
+          </a:p>
+        </p:txBody>
+      </p:sp>
+      <p:sp>
+        <p:nvSpPr>
+          <p:cNvPr id="2" name="Title 1">
+            <a:extLst>
+              <a:ext uri="{FF2B5EF4-FFF2-40B4-BE49-F238E27FC236}">
+                <a16:creationId xmlns:a16="http://schemas.microsoft.com/office/drawing/2014/main" id="{10E39CE2-74A4-4A09-B0B8-74663C07528C}"/>
+              </a:ext>
+            </a:extLst>
+          </p:cNvPr>
+          <p:cNvSpPr>
+            <a:spLocks noGrp="1"/>
+          </p:cNvSpPr>
+          <p:nvPr>
+            <p:ph type="title"/>
+          </p:nvPr>
+        </p:nvSpPr>
+        <p:spPr>
+          <a:xfrm>
+            <a:off x="1141413" y="609600"/>
+            <a:ext cx="9905998" cy="1065451"/>
+          </a:xfrm>
+        </p:spPr>
+        <p:txBody>
+          <a:bodyPr>
+            <a:normAutofit/>
+          </a:bodyPr>
+          <a:lstStyle/>
+          <a:p>
+            <a:pPr algn="ctr"/>
+            <a:r>
+              <a:rPr lang="en-US">
+                <a:solidFill>
+                  <a:srgbClr val="BFBFBF"/>
+                </a:solidFill>
+                <a:effectLst>
+                  <a:glow rad="38100">
+                    <a:prstClr val="white">
+                      <a:lumMod val="65000"/>
+                      <a:lumOff val="35000"/>
+                      <a:alpha val="40000"/>
+                    </a:prstClr>
+                  </a:glow>
+                  <a:outerShdw blurRad="28575" dist="38100" dir="14040000" algn="tl" rotWithShape="0">
+                    <a:srgbClr val="000000">
+                      <a:alpha val="25000"/>
+                    </a:srgbClr>
+                  </a:outerShdw>
+                </a:effectLst>
+              </a:rPr>
+              <a:t>references</a:t>
+            </a:r>
+            <a:endParaRPr lang="en-US">
+              <a:solidFill>
+                <a:srgbClr val="BFBFBF"/>
+              </a:solidFill>
+            </a:endParaRPr>
+          </a:p>
+        </p:txBody>
+      </p:sp>
+      <p:sp>
+        <p:nvSpPr>
+          <p:cNvPr id="3" name="Content Placeholder 2">
+            <a:extLst>
+              <a:ext uri="{FF2B5EF4-FFF2-40B4-BE49-F238E27FC236}">
+                <a16:creationId xmlns:a16="http://schemas.microsoft.com/office/drawing/2014/main" id="{F8538AD9-13D2-4510-BCD0-500297F4BE11}"/>
+              </a:ext>
+            </a:extLst>
+          </p:cNvPr>
+          <p:cNvSpPr>
+            <a:spLocks noGrp="1"/>
+          </p:cNvSpPr>
+          <p:nvPr>
+            <p:ph idx="1"/>
+          </p:nvPr>
+        </p:nvSpPr>
+        <p:spPr>
+          <a:xfrm>
+            <a:off x="1141413" y="2552177"/>
+            <a:ext cx="10438354" cy="3938392"/>
+          </a:xfrm>
+        </p:spPr>
+        <p:txBody>
+          <a:bodyPr>
+            <a:normAutofit fontScale="92500" lnSpcReduction="20000"/>
+          </a:bodyPr>
+          <a:lstStyle/>
+          <a:p>
+            <a:r>
+              <a:rPr lang="en-US" dirty="0">
+                <a:effectLst>
+                  <a:glow rad="38100">
+                    <a:prstClr val="white">
+                      <a:lumMod val="50000"/>
+                      <a:lumOff val="50000"/>
+                      <a:alpha val="20000"/>
+                    </a:prstClr>
+                  </a:glow>
+                  <a:outerShdw blurRad="44450" dist="12700" dir="13860000" algn="tl" rotWithShape="0">
+                    <a:srgbClr val="000000">
+                      <a:alpha val="20000"/>
+                    </a:srgbClr>
+                  </a:outerShdw>
+                </a:effectLst>
+                <a:ea typeface="+mn-lt"/>
+                <a:cs typeface="+mn-lt"/>
+                <a:hlinkClick r:id="rId2"/>
+              </a:rPr>
+              <a:t>https://dev.mysql.com/doc/refman/8.0/en/server-system-variables.html</a:t>
+            </a:r>
+            <a:endParaRPr lang="en-US">
+              <a:effectLst>
+                <a:glow rad="38100">
+                  <a:prstClr val="white">
+                    <a:lumMod val="50000"/>
+                    <a:lumOff val="50000"/>
+                    <a:alpha val="20000"/>
+                  </a:prstClr>
+                </a:glow>
+                <a:outerShdw blurRad="44450" dist="12700" dir="13860000" algn="tl" rotWithShape="0">
+                  <a:srgbClr val="000000">
+                    <a:alpha val="20000"/>
+                  </a:srgbClr>
+                </a:outerShdw>
+              </a:effectLst>
+              <a:ea typeface="+mn-lt"/>
+              <a:cs typeface="+mn-lt"/>
+            </a:endParaRPr>
+          </a:p>
+          <a:p>
+            <a:pPr>
+              <a:buClr>
+                <a:srgbClr val="000000"/>
+              </a:buClr>
+            </a:pPr>
+            <a:r>
+              <a:rPr lang="en-US" dirty="0">
+                <a:effectLst>
+                  <a:glow rad="38100">
+                    <a:prstClr val="white">
+                      <a:lumMod val="50000"/>
+                      <a:lumOff val="50000"/>
+                      <a:alpha val="20000"/>
+                    </a:prstClr>
+                  </a:glow>
+                  <a:outerShdw blurRad="44450" dist="12700" dir="13860000" algn="tl" rotWithShape="0">
+                    <a:srgbClr val="000000">
+                      <a:alpha val="20000"/>
+                    </a:srgbClr>
+                  </a:outerShdw>
+                </a:effectLst>
+                <a:ea typeface="+mn-lt"/>
+                <a:cs typeface="+mn-lt"/>
+              </a:rPr>
+              <a:t>https://logicalread.com/optimizing-server-settings-mysql-mc13/ </a:t>
+            </a:r>
+          </a:p>
+          <a:p>
+            <a:pPr>
+              <a:buClr>
+                <a:srgbClr val="000000"/>
+              </a:buClr>
+            </a:pPr>
+            <a:r>
+              <a:rPr lang="en-US" dirty="0">
+                <a:effectLst>
+                  <a:glow rad="38100">
+                    <a:prstClr val="white">
+                      <a:lumMod val="50000"/>
+                      <a:lumOff val="50000"/>
+                      <a:alpha val="20000"/>
+                    </a:prstClr>
+                  </a:glow>
+                  <a:outerShdw blurRad="44450" dist="12700" dir="13860000" algn="tl" rotWithShape="0">
+                    <a:srgbClr val="000000">
+                      <a:alpha val="20000"/>
+                    </a:srgbClr>
+                  </a:outerShdw>
+                </a:effectLst>
+                <a:ea typeface="+mn-lt"/>
+                <a:cs typeface="+mn-lt"/>
+                <a:hlinkClick r:id="rId3"/>
+              </a:rPr>
+              <a:t>https://www.linode.com/docs/guides/how-to-optimize-mysql-performance-using-mysqltuner/</a:t>
+            </a:r>
+            <a:endParaRPr lang="en-US" dirty="0">
+              <a:effectLst>
+                <a:glow rad="38100">
+                  <a:prstClr val="white">
+                    <a:lumMod val="50000"/>
+                    <a:lumOff val="50000"/>
+                    <a:alpha val="20000"/>
+                  </a:prstClr>
+                </a:glow>
+                <a:outerShdw blurRad="44450" dist="12700" dir="13860000" algn="tl" rotWithShape="0">
+                  <a:srgbClr val="000000">
+                    <a:alpha val="20000"/>
+                  </a:srgbClr>
+                </a:outerShdw>
+              </a:effectLst>
+              <a:ea typeface="+mn-lt"/>
+              <a:cs typeface="+mn-lt"/>
+            </a:endParaRPr>
+          </a:p>
+          <a:p>
+            <a:pPr>
+              <a:buClr>
+                <a:srgbClr val="000000"/>
+              </a:buClr>
+            </a:pPr>
+            <a:r>
+              <a:rPr lang="en-US" dirty="0">
+                <a:effectLst>
+                  <a:glow rad="38100">
+                    <a:prstClr val="white">
+                      <a:lumMod val="50000"/>
+                      <a:lumOff val="50000"/>
+                      <a:alpha val="20000"/>
+                    </a:prstClr>
+                  </a:glow>
+                  <a:outerShdw blurRad="44450" dist="12700" dir="13860000" algn="tl" rotWithShape="0">
+                    <a:srgbClr val="000000">
+                      <a:alpha val="20000"/>
+                    </a:srgbClr>
+                  </a:outerShdw>
+                </a:effectLst>
+                <a:ea typeface="+mn-lt"/>
+                <a:cs typeface="+mn-lt"/>
+                <a:hlinkClick r:id="rId4"/>
+              </a:rPr>
+              <a:t>https://github.com/major/MySQLTuner-perl</a:t>
+            </a:r>
+            <a:endParaRPr lang="en-US" dirty="0">
+              <a:effectLst>
+                <a:glow rad="38100">
+                  <a:prstClr val="white">
+                    <a:lumMod val="50000"/>
+                    <a:lumOff val="50000"/>
+                    <a:alpha val="20000"/>
+                  </a:prstClr>
+                </a:glow>
+                <a:outerShdw blurRad="44450" dist="12700" dir="13860000" algn="tl" rotWithShape="0">
+                  <a:srgbClr val="000000">
+                    <a:alpha val="20000"/>
+                  </a:srgbClr>
+                </a:outerShdw>
+              </a:effectLst>
+            </a:endParaRPr>
+          </a:p>
+          <a:p>
+            <a:pPr>
+              <a:buClr>
+                <a:srgbClr val="000000"/>
+              </a:buClr>
+            </a:pPr>
+            <a:r>
+              <a:rPr lang="en-US" dirty="0">
+                <a:effectLst>
+                  <a:glow rad="38100">
+                    <a:prstClr val="white">
+                      <a:lumMod val="50000"/>
+                      <a:lumOff val="50000"/>
+                      <a:alpha val="20000"/>
+                    </a:prstClr>
+                  </a:glow>
+                  <a:outerShdw blurRad="44450" dist="12700" dir="13860000" algn="tl" rotWithShape="0">
+                    <a:srgbClr val="000000">
+                      <a:alpha val="20000"/>
+                    </a:srgbClr>
+                  </a:outerShdw>
+                </a:effectLst>
+                <a:ea typeface="+mn-lt"/>
+                <a:cs typeface="+mn-lt"/>
+                <a:hlinkClick r:id="rId5"/>
+              </a:rPr>
+              <a:t>https://severalnines.com/database-blog/mysql-performance-cheat-sheet</a:t>
+            </a:r>
+            <a:endParaRPr lang="en-US" dirty="0">
+              <a:effectLst>
+                <a:glow rad="38100">
+                  <a:prstClr val="white">
+                    <a:lumMod val="50000"/>
+                    <a:lumOff val="50000"/>
+                    <a:alpha val="20000"/>
+                  </a:prstClr>
+                </a:glow>
+                <a:outerShdw blurRad="44450" dist="12700" dir="13860000" algn="tl" rotWithShape="0">
+                  <a:srgbClr val="000000">
+                    <a:alpha val="20000"/>
+                  </a:srgbClr>
+                </a:outerShdw>
+              </a:effectLst>
+            </a:endParaRPr>
+          </a:p>
+          <a:p>
+            <a:pPr>
+              <a:buClr>
+                <a:srgbClr val="000000"/>
+              </a:buClr>
+            </a:pPr>
+            <a:r>
+              <a:rPr lang="en-US" dirty="0">
+                <a:effectLst>
+                  <a:glow rad="38100">
+                    <a:prstClr val="white">
+                      <a:lumMod val="50000"/>
+                      <a:lumOff val="50000"/>
+                      <a:alpha val="20000"/>
+                    </a:prstClr>
+                  </a:glow>
+                  <a:outerShdw blurRad="44450" dist="12700" dir="13860000" algn="tl" rotWithShape="0">
+                    <a:srgbClr val="000000">
+                      <a:alpha val="20000"/>
+                    </a:srgbClr>
+                  </a:outerShdw>
+                </a:effectLst>
+                <a:ea typeface="+mn-lt"/>
+                <a:cs typeface="+mn-lt"/>
+                <a:hlinkClick r:id="rId6"/>
+              </a:rPr>
+              <a:t>https://docs.aws.amazon.com/AmazonRDS/latest/UserGuide/MySQL.Procedural.Importing.NonRDSRepl.html</a:t>
+            </a:r>
+            <a:endParaRPr lang="en-US" dirty="0">
+              <a:effectLst>
+                <a:glow rad="38100">
+                  <a:prstClr val="white">
+                    <a:lumMod val="50000"/>
+                    <a:lumOff val="50000"/>
+                    <a:alpha val="20000"/>
+                  </a:prstClr>
+                </a:glow>
+                <a:outerShdw blurRad="44450" dist="12700" dir="13860000" algn="tl" rotWithShape="0">
+                  <a:srgbClr val="000000">
+                    <a:alpha val="20000"/>
+                  </a:srgbClr>
+                </a:outerShdw>
+              </a:effectLst>
+            </a:endParaRPr>
+          </a:p>
+          <a:p>
+            <a:pPr>
+              <a:buClr>
+                <a:srgbClr val="000000"/>
+              </a:buClr>
+            </a:pPr>
+            <a:r>
+              <a:rPr lang="en-US" dirty="0">
+                <a:effectLst>
+                  <a:glow rad="38100">
+                    <a:prstClr val="white">
+                      <a:lumMod val="50000"/>
+                      <a:lumOff val="50000"/>
+                      <a:alpha val="20000"/>
+                    </a:prstClr>
+                  </a:glow>
+                  <a:outerShdw blurRad="44450" dist="12700" dir="13860000" algn="tl" rotWithShape="0">
+                    <a:srgbClr val="000000">
+                      <a:alpha val="20000"/>
+                    </a:srgbClr>
+                  </a:outerShdw>
+                </a:effectLst>
+                <a:ea typeface="+mn-lt"/>
+                <a:cs typeface="+mn-lt"/>
+                <a:hlinkClick r:id="rId7"/>
+              </a:rPr>
+              <a:t>https://www1.nyc.gov/site/nypd/bureaus/patrol/precincts-landing.page</a:t>
+            </a:r>
+            <a:endParaRPr lang="en-US" dirty="0">
+              <a:effectLst>
+                <a:glow rad="38100">
+                  <a:prstClr val="white">
+                    <a:lumMod val="50000"/>
+                    <a:lumOff val="50000"/>
+                    <a:alpha val="20000"/>
+                  </a:prstClr>
+                </a:glow>
+                <a:outerShdw blurRad="44450" dist="12700" dir="13860000" algn="tl" rotWithShape="0">
+                  <a:srgbClr val="000000">
+                    <a:alpha val="20000"/>
+                  </a:srgbClr>
+                </a:outerShdw>
+              </a:effectLst>
+            </a:endParaRPr>
+          </a:p>
+          <a:p>
+            <a:pPr>
+              <a:buClr>
+                <a:srgbClr val="000000"/>
+              </a:buClr>
+            </a:pPr>
+            <a:r>
+              <a:rPr lang="en-US" dirty="0">
+                <a:effectLst>
+                  <a:glow rad="38100">
+                    <a:prstClr val="white">
+                      <a:lumMod val="50000"/>
+                      <a:lumOff val="50000"/>
+                      <a:alpha val="20000"/>
+                    </a:prstClr>
+                  </a:glow>
+                  <a:outerShdw blurRad="44450" dist="12700" dir="13860000" algn="tl" rotWithShape="0">
+                    <a:srgbClr val="000000">
+                      <a:alpha val="20000"/>
+                    </a:srgbClr>
+                  </a:outerShdw>
+                </a:effectLst>
+                <a:hlinkClick r:id="rId8"/>
+              </a:rPr>
+              <a:t>https://data.cityofnewyork.us/Public-Safety/NYPD-Arrests-Data-Historic-/8h9b-rp9u</a:t>
+            </a:r>
+            <a:endParaRPr lang="en-US" dirty="0">
+              <a:effectLst>
+                <a:glow rad="38100">
+                  <a:prstClr val="white">
+                    <a:lumMod val="50000"/>
+                    <a:lumOff val="50000"/>
+                    <a:alpha val="20000"/>
+                  </a:prstClr>
+                </a:glow>
+                <a:outerShdw blurRad="44450" dist="12700" dir="13860000" algn="tl" rotWithShape="0">
+                  <a:srgbClr val="000000">
+                    <a:alpha val="20000"/>
+                  </a:srgbClr>
+                </a:outerShdw>
+              </a:effectLst>
+            </a:endParaRPr>
+          </a:p>
+          <a:p>
+            <a:pPr>
+              <a:buClr>
+                <a:srgbClr val="000000"/>
+              </a:buClr>
+            </a:pPr>
+            <a:r>
+              <a:rPr lang="en-US">
+                <a:effectLst>
+                  <a:glow rad="38100">
+                    <a:prstClr val="white">
+                      <a:lumMod val="50000"/>
+                      <a:lumOff val="50000"/>
+                      <a:alpha val="20000"/>
+                    </a:prstClr>
+                  </a:glow>
+                  <a:outerShdw blurRad="44450" dist="12700" dir="13860000" algn="tl" rotWithShape="0">
+                    <a:srgbClr val="000000">
+                      <a:alpha val="20000"/>
+                    </a:srgbClr>
+                  </a:outerShdw>
+                </a:effectLst>
+              </a:rPr>
+              <a:t>… many others</a:t>
+            </a:r>
+            <a:endParaRPr lang="en-US" dirty="0">
+              <a:effectLst>
+                <a:glow rad="38100">
+                  <a:prstClr val="white">
+                    <a:lumMod val="50000"/>
+                    <a:lumOff val="50000"/>
+                    <a:alpha val="20000"/>
+                  </a:prstClr>
+                </a:glow>
+                <a:outerShdw blurRad="44450" dist="12700" dir="13860000" algn="tl" rotWithShape="0">
+                  <a:srgbClr val="000000">
+                    <a:alpha val="20000"/>
+                  </a:srgbClr>
+                </a:outerShdw>
+              </a:effectLst>
+            </a:endParaRPr>
+          </a:p>
+          <a:p>
+            <a:pPr>
+              <a:buClr>
+                <a:srgbClr val="000000"/>
+              </a:buClr>
+            </a:pPr>
+            <a:endParaRPr lang="en-US" dirty="0">
+              <a:effectLst>
+                <a:glow rad="38100">
+                  <a:prstClr val="white">
+                    <a:lumMod val="50000"/>
+                    <a:lumOff val="50000"/>
+                    <a:alpha val="20000"/>
+                  </a:prstClr>
+                </a:glow>
+                <a:outerShdw blurRad="44450" dist="12700" dir="13860000" algn="tl" rotWithShape="0">
+                  <a:srgbClr val="000000">
+                    <a:alpha val="20000"/>
+                  </a:srgbClr>
+                </a:outerShdw>
+              </a:effectLst>
+            </a:endParaRPr>
+          </a:p>
+          <a:p>
+            <a:pPr>
+              <a:buClr>
+                <a:srgbClr val="000000"/>
+              </a:buClr>
+            </a:pPr>
+            <a:endParaRPr lang="en-US" dirty="0">
+              <a:effectLst>
+                <a:glow rad="38100">
+                  <a:prstClr val="white">
+                    <a:lumMod val="50000"/>
+                    <a:lumOff val="50000"/>
+                    <a:alpha val="20000"/>
+                  </a:prstClr>
+                </a:glow>
+                <a:outerShdw blurRad="44450" dist="12700" dir="13860000" algn="tl" rotWithShape="0">
+                  <a:srgbClr val="000000">
+                    <a:alpha val="20000"/>
+                  </a:srgbClr>
+                </a:outerShdw>
+              </a:effectLst>
+            </a:endParaRPr>
+          </a:p>
+        </p:txBody>
+      </p:sp>
+      <p:sp>
+        <p:nvSpPr>
+          <p:cNvPr id="4" name="Footer Placeholder 3">
+            <a:extLst>
+              <a:ext uri="{FF2B5EF4-FFF2-40B4-BE49-F238E27FC236}">
+                <a16:creationId xmlns:a16="http://schemas.microsoft.com/office/drawing/2014/main" id="{3656BDE2-9033-4FA6-BC09-DD2F8618855F}"/>
+              </a:ext>
+            </a:extLst>
+          </p:cNvPr>
+          <p:cNvSpPr>
+            <a:spLocks noGrp="1"/>
+          </p:cNvSpPr>
+          <p:nvPr>
+            <p:ph type="ftr" sz="quarter" idx="11"/>
+          </p:nvPr>
+        </p:nvSpPr>
+        <p:spPr>
+          <a:xfrm>
+            <a:off x="1141412" y="5883275"/>
+            <a:ext cx="7543800" cy="365125"/>
+          </a:xfrm>
+        </p:spPr>
+        <p:txBody>
+          <a:bodyPr>
+            <a:normAutofit/>
+          </a:bodyPr>
+          <a:lstStyle/>
+          <a:p>
+            <a:pPr>
+              <a:spcAft>
+                <a:spcPts val="600"/>
+              </a:spcAft>
+            </a:pPr>
+            <a:r>
+              <a:rPr lang="en-US" dirty="0"/>
+              <a:t>Data Internship</a:t>
+            </a:r>
+            <a:endParaRPr lang="en-US"/>
+          </a:p>
+        </p:txBody>
+      </p:sp>
+      <p:sp>
+        <p:nvSpPr>
+          <p:cNvPr id="5" name="Slide Number Placeholder 4">
+            <a:extLst>
+              <a:ext uri="{FF2B5EF4-FFF2-40B4-BE49-F238E27FC236}">
+                <a16:creationId xmlns:a16="http://schemas.microsoft.com/office/drawing/2014/main" id="{09B8118B-14DF-4AD2-A095-2E88E77F1F89}"/>
+              </a:ext>
+            </a:extLst>
+          </p:cNvPr>
+          <p:cNvSpPr>
+            <a:spLocks noGrp="1"/>
+          </p:cNvSpPr>
+          <p:nvPr>
+            <p:ph type="sldNum" sz="quarter" idx="12"/>
+          </p:nvPr>
+        </p:nvSpPr>
+        <p:spPr>
+          <a:xfrm>
+            <a:off x="10514012" y="5883275"/>
+            <a:ext cx="551167" cy="365125"/>
+          </a:xfrm>
+        </p:spPr>
+        <p:txBody>
+          <a:bodyPr>
+            <a:normAutofit/>
+          </a:bodyPr>
+          <a:lstStyle/>
+          <a:p>
+            <a:pPr>
+              <a:spcAft>
+                <a:spcPts val="600"/>
+              </a:spcAft>
+            </a:pPr>
+            <a:fld id="{D57F1E4F-1CFF-5643-939E-217C01CDF565}" type="slidenum">
+              <a:rPr lang="en-US" dirty="0"/>
+              <a:pPr>
+                <a:spcAft>
+                  <a:spcPts val="600"/>
+                </a:spcAft>
+              </a:pPr>
+              <a:t>32</a:t>
+            </a:fld>
+            <a:endParaRPr lang="en-US"/>
+          </a:p>
+        </p:txBody>
+      </p:sp>
+      <p:pic>
+        <p:nvPicPr>
+          <p:cNvPr id="7" name="Picture 4" descr="Logo, company name&#10;&#10;Description automatically generated">
+            <a:extLst>
+              <a:ext uri="{FF2B5EF4-FFF2-40B4-BE49-F238E27FC236}">
+                <a16:creationId xmlns:a16="http://schemas.microsoft.com/office/drawing/2014/main" id="{7FEBA7E9-9260-4F29-82DA-BF898873F300}"/>
+              </a:ext>
+            </a:extLst>
+          </p:cNvPr>
+          <p:cNvPicPr>
+            <a:picLocks noChangeAspect="1"/>
+          </p:cNvPicPr>
+          <p:nvPr/>
+        </p:nvPicPr>
+        <p:blipFill>
+          <a:blip r:embed="rId9"/>
+          <a:stretch>
+            <a:fillRect/>
+          </a:stretch>
+        </p:blipFill>
+        <p:spPr>
+          <a:xfrm>
+            <a:off x="10164233" y="-2456"/>
+            <a:ext cx="1843617" cy="612094"/>
+          </a:xfrm>
+          <a:prstGeom prst="rect">
+            <a:avLst/>
+          </a:prstGeom>
+        </p:spPr>
+      </p:pic>
+    </p:spTree>
+    <p:extLst>
+      <p:ext uri="{BB962C8B-B14F-4D97-AF65-F5344CB8AC3E}">
+        <p14:creationId xmlns:p14="http://schemas.microsoft.com/office/powerpoint/2010/main" val="2294737351"/>
+      </p:ext>
+    </p:extLst>
+  </p:cSld>
+  <p:clrMapOvr>
+    <a:overrideClrMapping bg1="lt1" tx1="dk1" bg2="lt2" tx2="dk2" accent1="accent1" accent2="accent2" accent3="accent3" accent4="accent4" accent5="accent5" accent6="accent6" hlink="hlink" folHlink="folHlink"/>
   </p:clrMapOvr>
 </p:sld>
 </file>
